--- a/JAVA PPT/Day19 No Animation .pptx
+++ b/JAVA PPT/Day19 No Animation .pptx
@@ -5,26 +5,26 @@
     <p:sldMasterId id="2147483648" r:id="rId1"/>
   </p:sldMasterIdLst>
   <p:notesMasterIdLst>
-    <p:notesMasterId r:id="rId4"/>
+    <p:notesMasterId r:id="rId19"/>
   </p:notesMasterIdLst>
   <p:sldIdLst>
-    <p:sldId id="256" r:id="rId3"/>
-    <p:sldId id="316" r:id="rId5"/>
-    <p:sldId id="317" r:id="rId6"/>
-    <p:sldId id="318" r:id="rId7"/>
-    <p:sldId id="321" r:id="rId8"/>
-    <p:sldId id="323" r:id="rId9"/>
-    <p:sldId id="319" r:id="rId10"/>
-    <p:sldId id="320" r:id="rId11"/>
-    <p:sldId id="324" r:id="rId12"/>
-    <p:sldId id="322" r:id="rId13"/>
-    <p:sldId id="325" r:id="rId14"/>
-    <p:sldId id="328" r:id="rId15"/>
-    <p:sldId id="329" r:id="rId16"/>
-    <p:sldId id="327" r:id="rId17"/>
-    <p:sldId id="334" r:id="rId18"/>
-    <p:sldId id="330" r:id="rId19"/>
-    <p:sldId id="333" r:id="rId20"/>
+    <p:sldId id="256" r:id="rId2"/>
+    <p:sldId id="316" r:id="rId3"/>
+    <p:sldId id="317" r:id="rId4"/>
+    <p:sldId id="318" r:id="rId5"/>
+    <p:sldId id="321" r:id="rId6"/>
+    <p:sldId id="323" r:id="rId7"/>
+    <p:sldId id="319" r:id="rId8"/>
+    <p:sldId id="320" r:id="rId9"/>
+    <p:sldId id="324" r:id="rId10"/>
+    <p:sldId id="322" r:id="rId11"/>
+    <p:sldId id="325" r:id="rId12"/>
+    <p:sldId id="328" r:id="rId13"/>
+    <p:sldId id="329" r:id="rId14"/>
+    <p:sldId id="327" r:id="rId15"/>
+    <p:sldId id="334" r:id="rId16"/>
+    <p:sldId id="330" r:id="rId17"/>
+    <p:sldId id="333" r:id="rId18"/>
   </p:sldIdLst>
   <p:sldSz cx="9144000" cy="5143500" type="screen16x9"/>
   <p:notesSz cx="6858000" cy="9144000"/>
@@ -477,7 +477,9 @@
               <a:defRPr sz="1100"/>
             </a:lvl9pPr>
           </a:lstStyle>
-          <a:p/>
+          <a:p>
+            <a:endParaRPr/>
+          </a:p>
         </p:txBody>
       </p:sp>
     </p:spTree>
@@ -716,7 +718,7 @@
 </file>
 
 <file path=ppt/notesSlides/notesSlide1.xml><?xml version="1.0" encoding="utf-8"?>
-<p:notes xmlns:a="http://schemas.openxmlformats.org/drawingml/2006/main" xmlns:r="http://schemas.openxmlformats.org/officeDocument/2006/relationships" xmlns:p="http://schemas.openxmlformats.org/presentationml/2006/main" showMasterPhAnim="0" showMasterSp="0">
+<p:notes xmlns:a="http://schemas.openxmlformats.org/drawingml/2006/main" xmlns:r="http://schemas.openxmlformats.org/officeDocument/2006/relationships" xmlns:p="http://schemas.openxmlformats.org/presentationml/2006/main" showMasterSp="0" showMasterPhAnim="0">
   <p:cSld>
     <p:spTree>
       <p:nvGrpSpPr>
@@ -807,6 +809,7 @@
               </a:spcAft>
               <a:buNone/>
             </a:pPr>
+            <a:endParaRPr/>
           </a:p>
         </p:txBody>
       </p:sp>
@@ -819,7 +822,7 @@
 </file>
 
 <file path=ppt/notesSlides/notesSlide10.xml><?xml version="1.0" encoding="utf-8"?>
-<p:notes xmlns:a="http://schemas.openxmlformats.org/drawingml/2006/main" xmlns:r="http://schemas.openxmlformats.org/officeDocument/2006/relationships" xmlns:p="http://schemas.openxmlformats.org/presentationml/2006/main" showMasterPhAnim="0" showMasterSp="0">
+<p:notes xmlns:a="http://schemas.openxmlformats.org/drawingml/2006/main" xmlns:r="http://schemas.openxmlformats.org/officeDocument/2006/relationships" xmlns:p="http://schemas.openxmlformats.org/presentationml/2006/main" showMasterSp="0" showMasterPhAnim="0">
   <p:cSld>
     <p:spTree>
       <p:nvGrpSpPr>
@@ -910,6 +913,7 @@
               </a:spcAft>
               <a:buNone/>
             </a:pPr>
+            <a:endParaRPr/>
           </a:p>
         </p:txBody>
       </p:sp>
@@ -922,7 +926,7 @@
 </file>
 
 <file path=ppt/notesSlides/notesSlide11.xml><?xml version="1.0" encoding="utf-8"?>
-<p:notes xmlns:a="http://schemas.openxmlformats.org/drawingml/2006/main" xmlns:r="http://schemas.openxmlformats.org/officeDocument/2006/relationships" xmlns:p="http://schemas.openxmlformats.org/presentationml/2006/main" showMasterPhAnim="0" showMasterSp="0">
+<p:notes xmlns:a="http://schemas.openxmlformats.org/drawingml/2006/main" xmlns:r="http://schemas.openxmlformats.org/officeDocument/2006/relationships" xmlns:p="http://schemas.openxmlformats.org/presentationml/2006/main" showMasterSp="0" showMasterPhAnim="0">
   <p:cSld>
     <p:spTree>
       <p:nvGrpSpPr>
@@ -1013,6 +1017,7 @@
               </a:spcAft>
               <a:buNone/>
             </a:pPr>
+            <a:endParaRPr/>
           </a:p>
         </p:txBody>
       </p:sp>
@@ -1025,7 +1030,7 @@
 </file>
 
 <file path=ppt/notesSlides/notesSlide12.xml><?xml version="1.0" encoding="utf-8"?>
-<p:notes xmlns:a="http://schemas.openxmlformats.org/drawingml/2006/main" xmlns:r="http://schemas.openxmlformats.org/officeDocument/2006/relationships" xmlns:p="http://schemas.openxmlformats.org/presentationml/2006/main" showMasterPhAnim="0" showMasterSp="0">
+<p:notes xmlns:a="http://schemas.openxmlformats.org/drawingml/2006/main" xmlns:r="http://schemas.openxmlformats.org/officeDocument/2006/relationships" xmlns:p="http://schemas.openxmlformats.org/presentationml/2006/main" showMasterSp="0" showMasterPhAnim="0">
   <p:cSld>
     <p:spTree>
       <p:nvGrpSpPr>
@@ -1116,6 +1121,7 @@
               </a:spcAft>
               <a:buNone/>
             </a:pPr>
+            <a:endParaRPr/>
           </a:p>
         </p:txBody>
       </p:sp>
@@ -1128,7 +1134,7 @@
 </file>
 
 <file path=ppt/notesSlides/notesSlide13.xml><?xml version="1.0" encoding="utf-8"?>
-<p:notes xmlns:a="http://schemas.openxmlformats.org/drawingml/2006/main" xmlns:r="http://schemas.openxmlformats.org/officeDocument/2006/relationships" xmlns:p="http://schemas.openxmlformats.org/presentationml/2006/main" showMasterPhAnim="0" showMasterSp="0">
+<p:notes xmlns:a="http://schemas.openxmlformats.org/drawingml/2006/main" xmlns:r="http://schemas.openxmlformats.org/officeDocument/2006/relationships" xmlns:p="http://schemas.openxmlformats.org/presentationml/2006/main" showMasterSp="0" showMasterPhAnim="0">
   <p:cSld>
     <p:spTree>
       <p:nvGrpSpPr>
@@ -1219,6 +1225,7 @@
               </a:spcAft>
               <a:buNone/>
             </a:pPr>
+            <a:endParaRPr/>
           </a:p>
         </p:txBody>
       </p:sp>
@@ -1231,7 +1238,7 @@
 </file>
 
 <file path=ppt/notesSlides/notesSlide14.xml><?xml version="1.0" encoding="utf-8"?>
-<p:notes xmlns:a="http://schemas.openxmlformats.org/drawingml/2006/main" xmlns:r="http://schemas.openxmlformats.org/officeDocument/2006/relationships" xmlns:p="http://schemas.openxmlformats.org/presentationml/2006/main" showMasterPhAnim="0" showMasterSp="0">
+<p:notes xmlns:a="http://schemas.openxmlformats.org/drawingml/2006/main" xmlns:r="http://schemas.openxmlformats.org/officeDocument/2006/relationships" xmlns:p="http://schemas.openxmlformats.org/presentationml/2006/main" showMasterSp="0" showMasterPhAnim="0">
   <p:cSld>
     <p:spTree>
       <p:nvGrpSpPr>
@@ -1322,6 +1329,7 @@
               </a:spcAft>
               <a:buNone/>
             </a:pPr>
+            <a:endParaRPr/>
           </a:p>
         </p:txBody>
       </p:sp>
@@ -1334,7 +1342,7 @@
 </file>
 
 <file path=ppt/notesSlides/notesSlide15.xml><?xml version="1.0" encoding="utf-8"?>
-<p:notes xmlns:a="http://schemas.openxmlformats.org/drawingml/2006/main" xmlns:r="http://schemas.openxmlformats.org/officeDocument/2006/relationships" xmlns:p="http://schemas.openxmlformats.org/presentationml/2006/main" showMasterPhAnim="0" showMasterSp="0">
+<p:notes xmlns:a="http://schemas.openxmlformats.org/drawingml/2006/main" xmlns:r="http://schemas.openxmlformats.org/officeDocument/2006/relationships" xmlns:p="http://schemas.openxmlformats.org/presentationml/2006/main" showMasterSp="0" showMasterPhAnim="0">
   <p:cSld>
     <p:spTree>
       <p:nvGrpSpPr>
@@ -1425,6 +1433,7 @@
               </a:spcAft>
               <a:buNone/>
             </a:pPr>
+            <a:endParaRPr/>
           </a:p>
         </p:txBody>
       </p:sp>
@@ -1437,7 +1446,7 @@
 </file>
 
 <file path=ppt/notesSlides/notesSlide16.xml><?xml version="1.0" encoding="utf-8"?>
-<p:notes xmlns:a="http://schemas.openxmlformats.org/drawingml/2006/main" xmlns:r="http://schemas.openxmlformats.org/officeDocument/2006/relationships" xmlns:p="http://schemas.openxmlformats.org/presentationml/2006/main" showMasterPhAnim="0" showMasterSp="0">
+<p:notes xmlns:a="http://schemas.openxmlformats.org/drawingml/2006/main" xmlns:r="http://schemas.openxmlformats.org/officeDocument/2006/relationships" xmlns:p="http://schemas.openxmlformats.org/presentationml/2006/main" showMasterSp="0" showMasterPhAnim="0">
   <p:cSld>
     <p:spTree>
       <p:nvGrpSpPr>
@@ -1528,6 +1537,7 @@
               </a:spcAft>
               <a:buNone/>
             </a:pPr>
+            <a:endParaRPr/>
           </a:p>
         </p:txBody>
       </p:sp>
@@ -1540,7 +1550,7 @@
 </file>
 
 <file path=ppt/notesSlides/notesSlide17.xml><?xml version="1.0" encoding="utf-8"?>
-<p:notes xmlns:a="http://schemas.openxmlformats.org/drawingml/2006/main" xmlns:r="http://schemas.openxmlformats.org/officeDocument/2006/relationships" xmlns:p="http://schemas.openxmlformats.org/presentationml/2006/main" showMasterPhAnim="0" showMasterSp="0">
+<p:notes xmlns:a="http://schemas.openxmlformats.org/drawingml/2006/main" xmlns:r="http://schemas.openxmlformats.org/officeDocument/2006/relationships" xmlns:p="http://schemas.openxmlformats.org/presentationml/2006/main" showMasterSp="0" showMasterPhAnim="0">
   <p:cSld>
     <p:spTree>
       <p:nvGrpSpPr>
@@ -1631,6 +1641,7 @@
               </a:spcAft>
               <a:buNone/>
             </a:pPr>
+            <a:endParaRPr/>
           </a:p>
         </p:txBody>
       </p:sp>
@@ -1643,7 +1654,7 @@
 </file>
 
 <file path=ppt/notesSlides/notesSlide2.xml><?xml version="1.0" encoding="utf-8"?>
-<p:notes xmlns:a="http://schemas.openxmlformats.org/drawingml/2006/main" xmlns:r="http://schemas.openxmlformats.org/officeDocument/2006/relationships" xmlns:p="http://schemas.openxmlformats.org/presentationml/2006/main" showMasterPhAnim="0" showMasterSp="0">
+<p:notes xmlns:a="http://schemas.openxmlformats.org/drawingml/2006/main" xmlns:r="http://schemas.openxmlformats.org/officeDocument/2006/relationships" xmlns:p="http://schemas.openxmlformats.org/presentationml/2006/main" showMasterSp="0" showMasterPhAnim="0">
   <p:cSld>
     <p:spTree>
       <p:nvGrpSpPr>
@@ -1734,6 +1745,7 @@
               </a:spcAft>
               <a:buNone/>
             </a:pPr>
+            <a:endParaRPr/>
           </a:p>
         </p:txBody>
       </p:sp>
@@ -1746,7 +1758,7 @@
 </file>
 
 <file path=ppt/notesSlides/notesSlide3.xml><?xml version="1.0" encoding="utf-8"?>
-<p:notes xmlns:a="http://schemas.openxmlformats.org/drawingml/2006/main" xmlns:r="http://schemas.openxmlformats.org/officeDocument/2006/relationships" xmlns:p="http://schemas.openxmlformats.org/presentationml/2006/main" showMasterPhAnim="0" showMasterSp="0">
+<p:notes xmlns:a="http://schemas.openxmlformats.org/drawingml/2006/main" xmlns:r="http://schemas.openxmlformats.org/officeDocument/2006/relationships" xmlns:p="http://schemas.openxmlformats.org/presentationml/2006/main" showMasterSp="0" showMasterPhAnim="0">
   <p:cSld>
     <p:spTree>
       <p:nvGrpSpPr>
@@ -1837,6 +1849,7 @@
               </a:spcAft>
               <a:buNone/>
             </a:pPr>
+            <a:endParaRPr/>
           </a:p>
         </p:txBody>
       </p:sp>
@@ -1849,7 +1862,7 @@
 </file>
 
 <file path=ppt/notesSlides/notesSlide4.xml><?xml version="1.0" encoding="utf-8"?>
-<p:notes xmlns:a="http://schemas.openxmlformats.org/drawingml/2006/main" xmlns:r="http://schemas.openxmlformats.org/officeDocument/2006/relationships" xmlns:p="http://schemas.openxmlformats.org/presentationml/2006/main" showMasterPhAnim="0" showMasterSp="0">
+<p:notes xmlns:a="http://schemas.openxmlformats.org/drawingml/2006/main" xmlns:r="http://schemas.openxmlformats.org/officeDocument/2006/relationships" xmlns:p="http://schemas.openxmlformats.org/presentationml/2006/main" showMasterSp="0" showMasterPhAnim="0">
   <p:cSld>
     <p:spTree>
       <p:nvGrpSpPr>
@@ -1940,6 +1953,7 @@
               </a:spcAft>
               <a:buNone/>
             </a:pPr>
+            <a:endParaRPr/>
           </a:p>
         </p:txBody>
       </p:sp>
@@ -1952,7 +1966,7 @@
 </file>
 
 <file path=ppt/notesSlides/notesSlide5.xml><?xml version="1.0" encoding="utf-8"?>
-<p:notes xmlns:a="http://schemas.openxmlformats.org/drawingml/2006/main" xmlns:r="http://schemas.openxmlformats.org/officeDocument/2006/relationships" xmlns:p="http://schemas.openxmlformats.org/presentationml/2006/main" showMasterPhAnim="0" showMasterSp="0">
+<p:notes xmlns:a="http://schemas.openxmlformats.org/drawingml/2006/main" xmlns:r="http://schemas.openxmlformats.org/officeDocument/2006/relationships" xmlns:p="http://schemas.openxmlformats.org/presentationml/2006/main" showMasterSp="0" showMasterPhAnim="0">
   <p:cSld>
     <p:spTree>
       <p:nvGrpSpPr>
@@ -2043,6 +2057,7 @@
               </a:spcAft>
               <a:buNone/>
             </a:pPr>
+            <a:endParaRPr/>
           </a:p>
         </p:txBody>
       </p:sp>
@@ -2055,7 +2070,7 @@
 </file>
 
 <file path=ppt/notesSlides/notesSlide6.xml><?xml version="1.0" encoding="utf-8"?>
-<p:notes xmlns:a="http://schemas.openxmlformats.org/drawingml/2006/main" xmlns:r="http://schemas.openxmlformats.org/officeDocument/2006/relationships" xmlns:p="http://schemas.openxmlformats.org/presentationml/2006/main" showMasterPhAnim="0" showMasterSp="0">
+<p:notes xmlns:a="http://schemas.openxmlformats.org/drawingml/2006/main" xmlns:r="http://schemas.openxmlformats.org/officeDocument/2006/relationships" xmlns:p="http://schemas.openxmlformats.org/presentationml/2006/main" showMasterSp="0" showMasterPhAnim="0">
   <p:cSld>
     <p:spTree>
       <p:nvGrpSpPr>
@@ -2146,6 +2161,7 @@
               </a:spcAft>
               <a:buNone/>
             </a:pPr>
+            <a:endParaRPr/>
           </a:p>
         </p:txBody>
       </p:sp>
@@ -2158,7 +2174,7 @@
 </file>
 
 <file path=ppt/notesSlides/notesSlide7.xml><?xml version="1.0" encoding="utf-8"?>
-<p:notes xmlns:a="http://schemas.openxmlformats.org/drawingml/2006/main" xmlns:r="http://schemas.openxmlformats.org/officeDocument/2006/relationships" xmlns:p="http://schemas.openxmlformats.org/presentationml/2006/main" showMasterPhAnim="0" showMasterSp="0">
+<p:notes xmlns:a="http://schemas.openxmlformats.org/drawingml/2006/main" xmlns:r="http://schemas.openxmlformats.org/officeDocument/2006/relationships" xmlns:p="http://schemas.openxmlformats.org/presentationml/2006/main" showMasterSp="0" showMasterPhAnim="0">
   <p:cSld>
     <p:spTree>
       <p:nvGrpSpPr>
@@ -2249,6 +2265,7 @@
               </a:spcAft>
               <a:buNone/>
             </a:pPr>
+            <a:endParaRPr/>
           </a:p>
         </p:txBody>
       </p:sp>
@@ -2261,7 +2278,7 @@
 </file>
 
 <file path=ppt/notesSlides/notesSlide8.xml><?xml version="1.0" encoding="utf-8"?>
-<p:notes xmlns:a="http://schemas.openxmlformats.org/drawingml/2006/main" xmlns:r="http://schemas.openxmlformats.org/officeDocument/2006/relationships" xmlns:p="http://schemas.openxmlformats.org/presentationml/2006/main" showMasterPhAnim="0" showMasterSp="0">
+<p:notes xmlns:a="http://schemas.openxmlformats.org/drawingml/2006/main" xmlns:r="http://schemas.openxmlformats.org/officeDocument/2006/relationships" xmlns:p="http://schemas.openxmlformats.org/presentationml/2006/main" showMasterSp="0" showMasterPhAnim="0">
   <p:cSld>
     <p:spTree>
       <p:nvGrpSpPr>
@@ -2352,6 +2369,7 @@
               </a:spcAft>
               <a:buNone/>
             </a:pPr>
+            <a:endParaRPr/>
           </a:p>
         </p:txBody>
       </p:sp>
@@ -2364,7 +2382,7 @@
 </file>
 
 <file path=ppt/notesSlides/notesSlide9.xml><?xml version="1.0" encoding="utf-8"?>
-<p:notes xmlns:a="http://schemas.openxmlformats.org/drawingml/2006/main" xmlns:r="http://schemas.openxmlformats.org/officeDocument/2006/relationships" xmlns:p="http://schemas.openxmlformats.org/presentationml/2006/main" showMasterPhAnim="0" showMasterSp="0">
+<p:notes xmlns:a="http://schemas.openxmlformats.org/drawingml/2006/main" xmlns:r="http://schemas.openxmlformats.org/officeDocument/2006/relationships" xmlns:p="http://schemas.openxmlformats.org/presentationml/2006/main" showMasterSp="0" showMasterPhAnim="0">
   <p:cSld>
     <p:spTree>
       <p:nvGrpSpPr>
@@ -2455,6 +2473,7 @@
               </a:spcAft>
               <a:buNone/>
             </a:pPr>
+            <a:endParaRPr/>
           </a:p>
         </p:txBody>
       </p:sp>
@@ -2467,7 +2486,7 @@
 </file>
 
 <file path=ppt/slideLayouts/slideLayout1.xml><?xml version="1.0" encoding="utf-8"?>
-<p:sldLayout xmlns:a="http://schemas.openxmlformats.org/drawingml/2006/main" xmlns:r="http://schemas.openxmlformats.org/officeDocument/2006/relationships" xmlns:p="http://schemas.openxmlformats.org/presentationml/2006/main" type="title" matchingName="Title slide">
+<p:sldLayout xmlns:a="http://schemas.openxmlformats.org/drawingml/2006/main" xmlns:r="http://schemas.openxmlformats.org/officeDocument/2006/relationships" xmlns:p="http://schemas.openxmlformats.org/presentationml/2006/main" matchingName="Title slide" type="title">
   <p:cSld name="TITLE">
     <p:spTree>
       <p:nvGrpSpPr>
@@ -2525,6 +2544,7 @@
               </a:spcAft>
               <a:buNone/>
             </a:pPr>
+            <a:endParaRPr/>
           </a:p>
         </p:txBody>
       </p:sp>
@@ -2570,6 +2590,7 @@
               </a:spcAft>
               <a:buNone/>
             </a:pPr>
+            <a:endParaRPr/>
           </a:p>
         </p:txBody>
       </p:sp>
@@ -2697,7 +2718,9 @@
               <a:defRPr sz="5200"/>
             </a:lvl9pPr>
           </a:lstStyle>
-          <a:p/>
+          <a:p>
+            <a:endParaRPr/>
+          </a:p>
         </p:txBody>
       </p:sp>
       <p:sp>
@@ -2855,7 +2878,9 @@
               <a:defRPr sz="2800"/>
             </a:lvl9pPr>
           </a:lstStyle>
-          <a:p/>
+          <a:p>
+            <a:endParaRPr/>
+          </a:p>
         </p:txBody>
       </p:sp>
       <p:sp>
@@ -3006,7 +3031,9 @@
               <a:defRPr sz="2800"/>
             </a:lvl9pPr>
           </a:lstStyle>
-          <a:p/>
+          <a:p>
+            <a:endParaRPr/>
+          </a:p>
         </p:txBody>
       </p:sp>
       <p:sp>
@@ -3826,11 +3853,23 @@
   <p:clrMapOvr>
     <a:masterClrMapping/>
   </p:clrMapOvr>
+  <mc:AlternateContent xmlns:mc="http://schemas.openxmlformats.org/markup-compatibility/2006">
+    <mc:Choice xmlns:p14="http://schemas.microsoft.com/office/powerpoint/2010/main" Requires="p14">
+      <p:transition spd="med" p14:dur="700">
+        <p:fade/>
+      </p:transition>
+    </mc:Choice>
+    <mc:Fallback>
+      <p:transition spd="med">
+        <p:fade/>
+      </p:transition>
+    </mc:Fallback>
+  </mc:AlternateContent>
 </p:sldLayout>
 </file>
 
 <file path=ppt/slideLayouts/slideLayout2.xml><?xml version="1.0" encoding="utf-8"?>
-<p:sldLayout xmlns:a="http://schemas.openxmlformats.org/drawingml/2006/main" xmlns:r="http://schemas.openxmlformats.org/officeDocument/2006/relationships" xmlns:p="http://schemas.openxmlformats.org/presentationml/2006/main" type="titleOnly" matchingName="Title only">
+<p:sldLayout xmlns:a="http://schemas.openxmlformats.org/drawingml/2006/main" xmlns:r="http://schemas.openxmlformats.org/officeDocument/2006/relationships" xmlns:p="http://schemas.openxmlformats.org/presentationml/2006/main" matchingName="Title only" type="titleOnly">
   <p:cSld name="TITLE_ONLY">
     <p:spTree>
       <p:nvGrpSpPr>
@@ -3882,6 +3921,7 @@
               </a:spcAft>
               <a:buNone/>
             </a:pPr>
+            <a:endParaRPr/>
           </a:p>
         </p:txBody>
       </p:sp>
@@ -3921,6 +3961,7 @@
               </a:spcAft>
               <a:buNone/>
             </a:pPr>
+            <a:endParaRPr/>
           </a:p>
         </p:txBody>
       </p:sp>
@@ -4860,7 +4901,9 @@
               <a:defRPr/>
             </a:lvl9pPr>
           </a:lstStyle>
-          <a:p/>
+          <a:p>
+            <a:endParaRPr/>
+          </a:p>
         </p:txBody>
       </p:sp>
     </p:spTree>
@@ -4868,6 +4911,18 @@
   <p:clrMapOvr>
     <a:masterClrMapping/>
   </p:clrMapOvr>
+  <mc:AlternateContent xmlns:mc="http://schemas.openxmlformats.org/markup-compatibility/2006">
+    <mc:Choice xmlns:p14="http://schemas.microsoft.com/office/powerpoint/2010/main" Requires="p14">
+      <p:transition spd="med" p14:dur="700">
+        <p:fade/>
+      </p:transition>
+    </mc:Choice>
+    <mc:Fallback>
+      <p:transition spd="med">
+        <p:fade/>
+      </p:transition>
+    </mc:Fallback>
+  </mc:AlternateContent>
 </p:sldLayout>
 </file>
 
@@ -4924,6 +4979,7 @@
               </a:spcAft>
               <a:buNone/>
             </a:pPr>
+            <a:endParaRPr/>
           </a:p>
         </p:txBody>
       </p:sp>
@@ -4963,6 +5019,7 @@
               </a:spcAft>
               <a:buNone/>
             </a:pPr>
+            <a:endParaRPr/>
           </a:p>
         </p:txBody>
       </p:sp>
@@ -5287,7 +5344,9 @@
               </a:defRPr>
             </a:lvl9pPr>
           </a:lstStyle>
-          <a:p/>
+          <a:p>
+            <a:endParaRPr/>
+          </a:p>
         </p:txBody>
       </p:sp>
       <p:sp>
@@ -5477,7 +5536,9 @@
               </a:defRPr>
             </a:lvl9pPr>
           </a:lstStyle>
-          <a:p/>
+          <a:p>
+            <a:endParaRPr/>
+          </a:p>
         </p:txBody>
       </p:sp>
       <p:sp>
@@ -5801,7 +5862,9 @@
               </a:defRPr>
             </a:lvl9pPr>
           </a:lstStyle>
-          <a:p/>
+          <a:p>
+            <a:endParaRPr/>
+          </a:p>
         </p:txBody>
       </p:sp>
       <p:sp>
@@ -5991,7 +6054,9 @@
               </a:defRPr>
             </a:lvl9pPr>
           </a:lstStyle>
-          <a:p/>
+          <a:p>
+            <a:endParaRPr/>
+          </a:p>
         </p:txBody>
       </p:sp>
       <p:sp>
@@ -6315,7 +6380,9 @@
               </a:defRPr>
             </a:lvl9pPr>
           </a:lstStyle>
-          <a:p/>
+          <a:p>
+            <a:endParaRPr/>
+          </a:p>
         </p:txBody>
       </p:sp>
       <p:sp>
@@ -6501,7 +6568,9 @@
               </a:defRPr>
             </a:lvl9pPr>
           </a:lstStyle>
-          <a:p/>
+          <a:p>
+            <a:endParaRPr/>
+          </a:p>
         </p:txBody>
       </p:sp>
       <p:sp>
@@ -7440,7 +7509,9 @@
               <a:defRPr/>
             </a:lvl9pPr>
           </a:lstStyle>
-          <a:p/>
+          <a:p>
+            <a:endParaRPr/>
+          </a:p>
         </p:txBody>
       </p:sp>
     </p:spTree>
@@ -7448,6 +7519,18 @@
   <p:clrMapOvr>
     <a:masterClrMapping/>
   </p:clrMapOvr>
+  <mc:AlternateContent xmlns:mc="http://schemas.openxmlformats.org/markup-compatibility/2006">
+    <mc:Choice xmlns:p14="http://schemas.microsoft.com/office/powerpoint/2010/main" Requires="p14">
+      <p:transition spd="med" p14:dur="700">
+        <p:fade/>
+      </p:transition>
+    </mc:Choice>
+    <mc:Fallback>
+      <p:transition spd="med">
+        <p:fade/>
+      </p:transition>
+    </mc:Fallback>
+  </mc:AlternateContent>
 </p:sldLayout>
 </file>
 
@@ -7504,6 +7587,7 @@
               </a:spcAft>
               <a:buNone/>
             </a:pPr>
+            <a:endParaRPr/>
           </a:p>
         </p:txBody>
       </p:sp>
@@ -7543,6 +7627,7 @@
               </a:spcAft>
               <a:buNone/>
             </a:pPr>
+            <a:endParaRPr/>
           </a:p>
         </p:txBody>
       </p:sp>
@@ -8363,6 +8448,18 @@
   <p:clrMapOvr>
     <a:masterClrMapping/>
   </p:clrMapOvr>
+  <mc:AlternateContent xmlns:mc="http://schemas.openxmlformats.org/markup-compatibility/2006">
+    <mc:Choice xmlns:p14="http://schemas.microsoft.com/office/powerpoint/2010/main" Requires="p14">
+      <p:transition spd="med" p14:dur="700">
+        <p:fade/>
+      </p:transition>
+    </mc:Choice>
+    <mc:Fallback>
+      <p:transition spd="med">
+        <p:fade/>
+      </p:transition>
+    </mc:Fallback>
+  </mc:AlternateContent>
 </p:sldLayout>
 </file>
 
@@ -8419,6 +8516,7 @@
               </a:spcAft>
               <a:buNone/>
             </a:pPr>
+            <a:endParaRPr/>
           </a:p>
         </p:txBody>
       </p:sp>
@@ -8458,6 +8556,7 @@
               </a:spcAft>
               <a:buNone/>
             </a:pPr>
+            <a:endParaRPr/>
           </a:p>
         </p:txBody>
       </p:sp>
@@ -9278,6 +9377,18 @@
   <p:clrMapOvr>
     <a:masterClrMapping/>
   </p:clrMapOvr>
+  <mc:AlternateContent xmlns:mc="http://schemas.openxmlformats.org/markup-compatibility/2006">
+    <mc:Choice xmlns:p14="http://schemas.microsoft.com/office/powerpoint/2010/main" Requires="p14">
+      <p:transition spd="med" p14:dur="700">
+        <p:fade/>
+      </p:transition>
+    </mc:Choice>
+    <mc:Fallback>
+      <p:transition spd="med">
+        <p:fade/>
+      </p:transition>
+    </mc:Fallback>
+  </mc:AlternateContent>
 </p:sldLayout>
 </file>
 
@@ -9542,7 +9653,9 @@
               </a:defRPr>
             </a:lvl9pPr>
           </a:lstStyle>
-          <a:p/>
+          <a:p>
+            <a:endParaRPr/>
+          </a:p>
         </p:txBody>
       </p:sp>
       <p:sp>
@@ -9808,7 +9921,9 @@
               </a:defRPr>
             </a:lvl9pPr>
           </a:lstStyle>
-          <a:p/>
+          <a:p>
+            <a:endParaRPr/>
+          </a:p>
         </p:txBody>
       </p:sp>
     </p:spTree>
@@ -9821,6 +9936,18 @@
     <p:sldLayoutId id="2147483652" r:id="rId4"/>
     <p:sldLayoutId id="2147483653" r:id="rId5"/>
   </p:sldLayoutIdLst>
+  <mc:AlternateContent xmlns:mc="http://schemas.openxmlformats.org/markup-compatibility/2006">
+    <mc:Choice xmlns:p14="http://schemas.microsoft.com/office/powerpoint/2010/main" Requires="p14">
+      <p:transition spd="med" p14:dur="700">
+        <p:fade/>
+      </p:transition>
+    </mc:Choice>
+    <mc:Fallback>
+      <p:transition spd="med">
+        <p:fade/>
+      </p:transition>
+    </mc:Fallback>
+  </mc:AlternateContent>
   <p:hf sldNum="0" hdr="0" ftr="0" dt="0"/>
   <p:txStyles>
     <p:titleStyle>
@@ -10631,7 +10758,6 @@
               <a:rPr lang="en-GB" dirty="0"/>
               <a:t> begins */</a:t>
             </a:r>
-            <a:endParaRPr lang="en-GB" dirty="0"/>
           </a:p>
           <a:p>
             <a:pPr marL="0" lvl="0" indent="0" algn="l" rtl="0">
@@ -10917,6 +11043,18 @@
   <p:clrMapOvr>
     <a:masterClrMapping/>
   </p:clrMapOvr>
+  <mc:AlternateContent xmlns:mc="http://schemas.openxmlformats.org/markup-compatibility/2006">
+    <mc:Choice xmlns:p14="http://schemas.microsoft.com/office/powerpoint/2010/main" Requires="p14">
+      <p:transition spd="med" p14:dur="700">
+        <p:fade/>
+      </p:transition>
+    </mc:Choice>
+    <mc:Fallback>
+      <p:transition spd="med">
+        <p:fade/>
+      </p:transition>
+    </mc:Fallback>
+  </mc:AlternateContent>
   <p:timing>
     <p:tnLst>
       <p:par>
@@ -11340,6 +11478,7 @@
           <a:bodyPr wrap="square" rtlCol="0">
             <a:spAutoFit/>
           </a:bodyPr>
+          <a:lstStyle/>
           <a:p>
             <a:r>
               <a:rPr lang="en-US" sz="2000">
@@ -11351,13 +11490,6 @@
               </a:rPr>
               <a:t>Output :</a:t>
             </a:r>
-            <a:endParaRPr lang="en-US" sz="2000">
-              <a:solidFill>
-                <a:srgbClr val="FF0000"/>
-              </a:solidFill>
-              <a:latin typeface="firacode" charset="0"/>
-              <a:cs typeface="firacode" charset="0"/>
-            </a:endParaRPr>
           </a:p>
         </p:txBody>
       </p:sp>
@@ -11381,6 +11513,7 @@
           <a:bodyPr wrap="square" rtlCol="0">
             <a:spAutoFit/>
           </a:bodyPr>
+          <a:lstStyle/>
           <a:p>
             <a:pPr marL="285750" indent="-285750">
               <a:buClr>
@@ -11408,7 +11541,7 @@
           <p:nvPr/>
         </p:nvPicPr>
         <p:blipFill>
-          <a:blip r:embed="rId1"/>
+          <a:blip r:embed="rId3"/>
           <a:srcRect l="9014" t="17274" r="8859" b="16946"/>
           <a:stretch>
             <a:fillRect/>
@@ -11429,13 +11562,18 @@
   <p:clrMapOvr>
     <a:masterClrMapping/>
   </p:clrMapOvr>
-  <p:timing>
-    <p:tnLst>
-      <p:par>
-        <p:cTn id="1" dur="indefinite" restart="never" nodeType="tmRoot"/>
-      </p:par>
-    </p:tnLst>
-  </p:timing>
+  <mc:AlternateContent xmlns:mc="http://schemas.openxmlformats.org/markup-compatibility/2006">
+    <mc:Choice xmlns:p14="http://schemas.microsoft.com/office/powerpoint/2010/main" Requires="p14">
+      <p:transition spd="med" p14:dur="700">
+        <p:fade/>
+      </p:transition>
+    </mc:Choice>
+    <mc:Fallback>
+      <p:transition spd="med">
+        <p:fade/>
+      </p:transition>
+    </mc:Fallback>
+  </mc:AlternateContent>
 </p:sld>
 </file>
 
@@ -11584,6 +11722,7 @@
           <a:bodyPr wrap="square" rtlCol="0">
             <a:spAutoFit/>
           </a:bodyPr>
+          <a:lstStyle/>
           <a:p>
             <a:r>
               <a:rPr lang="en-US" sz="2000">
@@ -11595,13 +11734,6 @@
               </a:rPr>
               <a:t>This Keyword:</a:t>
             </a:r>
-            <a:endParaRPr lang="en-US" sz="2000">
-              <a:solidFill>
-                <a:srgbClr val="FF0000"/>
-              </a:solidFill>
-              <a:latin typeface="firacode" charset="0"/>
-              <a:cs typeface="firacode" charset="0"/>
-            </a:endParaRPr>
           </a:p>
         </p:txBody>
       </p:sp>
@@ -11625,6 +11757,7 @@
           <a:bodyPr wrap="square" rtlCol="0">
             <a:spAutoFit/>
           </a:bodyPr>
+          <a:lstStyle/>
           <a:p>
             <a:pPr marL="285750" indent="-285750">
               <a:buClr>
@@ -11663,6 +11796,7 @@
           <a:bodyPr wrap="square" rtlCol="0">
             <a:spAutoFit/>
           </a:bodyPr>
+          <a:lstStyle/>
           <a:p>
             <a:pPr marL="285750" indent="-285750">
               <a:buClr>
@@ -11681,6 +11815,15 @@
               </a:rPr>
               <a:t>‘this’ is a reference variable that refers to the current object, or can be said “this” in Java is a keyword that refers to the current object instance.</a:t>
             </a:r>
+          </a:p>
+          <a:p>
+            <a:pPr marL="285750" indent="-285750">
+              <a:buClr>
+                <a:srgbClr val="FFFFFF"/>
+              </a:buClr>
+              <a:buFont typeface="Wingdings" panose="05000000000000000000" charset="0"/>
+              <a:buChar char="v"/>
+            </a:pPr>
             <a:endParaRPr lang="en-US">
               <a:solidFill>
                 <a:schemeClr val="accent6"/>
@@ -11697,22 +11840,6 @@
               <a:buFont typeface="Wingdings" panose="05000000000000000000" charset="0"/>
               <a:buChar char="v"/>
             </a:pPr>
-            <a:endParaRPr lang="en-US">
-              <a:solidFill>
-                <a:schemeClr val="accent6"/>
-              </a:solidFill>
-              <a:latin typeface="firacode" charset="0"/>
-              <a:cs typeface="firacode" charset="0"/>
-            </a:endParaRPr>
-          </a:p>
-          <a:p>
-            <a:pPr marL="285750" indent="-285750">
-              <a:buClr>
-                <a:srgbClr val="FFFFFF"/>
-              </a:buClr>
-              <a:buFont typeface="Wingdings" panose="05000000000000000000" charset="0"/>
-              <a:buChar char="v"/>
-            </a:pPr>
             <a:r>
               <a:rPr lang="en-US">
                 <a:solidFill>
@@ -11723,13 +11850,6 @@
               </a:rPr>
               <a:t>When the instance variable and the local variable is same we use “this” keyword to represent the instance variable.</a:t>
             </a:r>
-            <a:endParaRPr lang="en-US">
-              <a:solidFill>
-                <a:schemeClr val="accent6"/>
-              </a:solidFill>
-              <a:latin typeface="firacode" charset="0"/>
-              <a:cs typeface="firacode" charset="0"/>
-            </a:endParaRPr>
           </a:p>
         </p:txBody>
       </p:sp>
@@ -11757,6 +11877,7 @@
           <a:bodyPr wrap="square" rtlCol="0">
             <a:spAutoFit/>
           </a:bodyPr>
+          <a:lstStyle/>
           <a:p>
             <a:r>
               <a:rPr lang="en-US" sz="2000">
@@ -11768,13 +11889,6 @@
               </a:rPr>
               <a:t>Syntax :</a:t>
             </a:r>
-            <a:endParaRPr lang="en-US" sz="2000">
-              <a:solidFill>
-                <a:srgbClr val="FF0000"/>
-              </a:solidFill>
-              <a:latin typeface="firacode" charset="0"/>
-              <a:cs typeface="firacode" charset="0"/>
-            </a:endParaRPr>
           </a:p>
         </p:txBody>
       </p:sp>
@@ -11802,6 +11916,7 @@
           <a:bodyPr wrap="square" rtlCol="0">
             <a:spAutoFit/>
           </a:bodyPr>
+          <a:lstStyle/>
           <a:p>
             <a:pPr marL="285750" indent="-285750">
               <a:buClr>
@@ -11820,13 +11935,6 @@
               </a:rPr>
               <a:t>this.a=a</a:t>
             </a:r>
-            <a:endParaRPr lang="en-US">
-              <a:solidFill>
-                <a:schemeClr val="accent6"/>
-              </a:solidFill>
-              <a:latin typeface="firacode" charset="0"/>
-              <a:cs typeface="firacode" charset="0"/>
-            </a:endParaRPr>
           </a:p>
         </p:txBody>
       </p:sp>
@@ -11835,13 +11943,18 @@
   <p:clrMapOvr>
     <a:masterClrMapping/>
   </p:clrMapOvr>
-  <p:timing>
-    <p:tnLst>
-      <p:par>
-        <p:cTn id="1" dur="indefinite" restart="never" nodeType="tmRoot"/>
-      </p:par>
-    </p:tnLst>
-  </p:timing>
+  <mc:AlternateContent xmlns:mc="http://schemas.openxmlformats.org/markup-compatibility/2006">
+    <mc:Choice xmlns:p14="http://schemas.microsoft.com/office/powerpoint/2010/main" Requires="p14">
+      <p:transition spd="med" p14:dur="700">
+        <p:fade/>
+      </p:transition>
+    </mc:Choice>
+    <mc:Fallback>
+      <p:transition spd="med">
+        <p:fade/>
+      </p:transition>
+    </mc:Fallback>
+  </mc:AlternateContent>
 </p:sld>
 </file>
 
@@ -11990,6 +12103,7 @@
           <a:bodyPr wrap="square" rtlCol="0">
             <a:spAutoFit/>
           </a:bodyPr>
+          <a:lstStyle/>
           <a:p>
             <a:r>
               <a:rPr lang="en-US" sz="2000">
@@ -12001,13 +12115,6 @@
               </a:rPr>
               <a:t>This call:</a:t>
             </a:r>
-            <a:endParaRPr lang="en-US" sz="2000">
-              <a:solidFill>
-                <a:srgbClr val="FF0000"/>
-              </a:solidFill>
-              <a:latin typeface="firacode" charset="0"/>
-              <a:cs typeface="firacode" charset="0"/>
-            </a:endParaRPr>
           </a:p>
         </p:txBody>
       </p:sp>
@@ -12031,6 +12138,7 @@
           <a:bodyPr wrap="square" rtlCol="0">
             <a:spAutoFit/>
           </a:bodyPr>
+          <a:lstStyle/>
           <a:p>
             <a:pPr marL="285750" indent="-285750">
               <a:buClr>
@@ -12069,6 +12177,7 @@
           <a:bodyPr wrap="square" rtlCol="0">
             <a:spAutoFit/>
           </a:bodyPr>
+          <a:lstStyle/>
           <a:p>
             <a:pPr marL="285750" indent="-285750">
               <a:buClr>
@@ -12087,6 +12196,15 @@
               </a:rPr>
               <a:t>This call statement is used to call from one constructor to another constructor.</a:t>
             </a:r>
+          </a:p>
+          <a:p>
+            <a:pPr marL="285750" indent="-285750">
+              <a:buClr>
+                <a:srgbClr val="FFFFFF"/>
+              </a:buClr>
+              <a:buFont typeface="Wingdings" panose="05000000000000000000" charset="0"/>
+              <a:buChar char="v"/>
+            </a:pPr>
             <a:endParaRPr lang="en-US">
               <a:solidFill>
                 <a:schemeClr val="accent6"/>
@@ -12103,6 +12221,25 @@
               <a:buFont typeface="Wingdings" panose="05000000000000000000" charset="0"/>
               <a:buChar char="v"/>
             </a:pPr>
+            <a:r>
+              <a:rPr lang="en-US">
+                <a:solidFill>
+                  <a:schemeClr val="accent6"/>
+                </a:solidFill>
+                <a:latin typeface="firacode" charset="0"/>
+                <a:cs typeface="firacode" charset="0"/>
+              </a:rPr>
+              <a:t>This call statement is used to reduce the codes.</a:t>
+            </a:r>
+          </a:p>
+          <a:p>
+            <a:pPr marL="285750" indent="-285750">
+              <a:buClr>
+                <a:srgbClr val="FFFFFF"/>
+              </a:buClr>
+              <a:buFont typeface="Wingdings" panose="05000000000000000000" charset="0"/>
+              <a:buChar char="v"/>
+            </a:pPr>
             <a:endParaRPr lang="en-US">
               <a:solidFill>
                 <a:schemeClr val="accent6"/>
@@ -12127,8 +12264,17 @@
                 <a:latin typeface="firacode" charset="0"/>
                 <a:cs typeface="firacode" charset="0"/>
               </a:rPr>
-              <a:t>This call statement is used to reduce the codes.</a:t>
-            </a:r>
+              <a:t>This call is the first statement in the constructor.</a:t>
+            </a:r>
+          </a:p>
+          <a:p>
+            <a:pPr marL="285750" indent="-285750">
+              <a:buClr>
+                <a:srgbClr val="FFFFFF"/>
+              </a:buClr>
+              <a:buFont typeface="Wingdings" panose="05000000000000000000" charset="0"/>
+              <a:buChar char="v"/>
+            </a:pPr>
             <a:endParaRPr lang="en-US">
               <a:solidFill>
                 <a:schemeClr val="accent6"/>
@@ -12137,64 +12283,6 @@
               <a:cs typeface="firacode" charset="0"/>
             </a:endParaRPr>
           </a:p>
-          <a:p>
-            <a:pPr marL="285750" indent="-285750">
-              <a:buClr>
-                <a:srgbClr val="FFFFFF"/>
-              </a:buClr>
-              <a:buFont typeface="Wingdings" panose="05000000000000000000" charset="0"/>
-              <a:buChar char="v"/>
-            </a:pPr>
-            <a:endParaRPr lang="en-US">
-              <a:solidFill>
-                <a:schemeClr val="accent6"/>
-              </a:solidFill>
-              <a:latin typeface="firacode" charset="0"/>
-              <a:cs typeface="firacode" charset="0"/>
-            </a:endParaRPr>
-          </a:p>
-          <a:p>
-            <a:pPr marL="285750" indent="-285750">
-              <a:buClr>
-                <a:srgbClr val="FFFFFF"/>
-              </a:buClr>
-              <a:buFont typeface="Wingdings" panose="05000000000000000000" charset="0"/>
-              <a:buChar char="v"/>
-            </a:pPr>
-            <a:r>
-              <a:rPr lang="en-US">
-                <a:solidFill>
-                  <a:schemeClr val="accent6"/>
-                </a:solidFill>
-                <a:latin typeface="firacode" charset="0"/>
-                <a:cs typeface="firacode" charset="0"/>
-              </a:rPr>
-              <a:t>This call is the first statement in the constructor.</a:t>
-            </a:r>
-            <a:endParaRPr lang="en-US">
-              <a:solidFill>
-                <a:schemeClr val="accent6"/>
-              </a:solidFill>
-              <a:latin typeface="firacode" charset="0"/>
-              <a:cs typeface="firacode" charset="0"/>
-            </a:endParaRPr>
-          </a:p>
-          <a:p>
-            <a:pPr marL="285750" indent="-285750">
-              <a:buClr>
-                <a:srgbClr val="FFFFFF"/>
-              </a:buClr>
-              <a:buFont typeface="Wingdings" panose="05000000000000000000" charset="0"/>
-              <a:buChar char="v"/>
-            </a:pPr>
-            <a:endParaRPr lang="en-US">
-              <a:solidFill>
-                <a:schemeClr val="accent6"/>
-              </a:solidFill>
-              <a:latin typeface="firacode" charset="0"/>
-              <a:cs typeface="firacode" charset="0"/>
-            </a:endParaRPr>
-          </a:p>
         </p:txBody>
       </p:sp>
     </p:spTree>
@@ -12202,13 +12290,18 @@
   <p:clrMapOvr>
     <a:masterClrMapping/>
   </p:clrMapOvr>
-  <p:timing>
-    <p:tnLst>
-      <p:par>
-        <p:cTn id="1" dur="indefinite" restart="never" nodeType="tmRoot"/>
-      </p:par>
-    </p:tnLst>
-  </p:timing>
+  <mc:AlternateContent xmlns:mc="http://schemas.openxmlformats.org/markup-compatibility/2006">
+    <mc:Choice xmlns:p14="http://schemas.microsoft.com/office/powerpoint/2010/main" Requires="p14">
+      <p:transition spd="med" p14:dur="700">
+        <p:fade/>
+      </p:transition>
+    </mc:Choice>
+    <mc:Fallback>
+      <p:transition spd="med">
+        <p:fade/>
+      </p:transition>
+    </mc:Fallback>
+  </mc:AlternateContent>
 </p:sld>
 </file>
 
@@ -12357,6 +12450,7 @@
           <a:bodyPr wrap="square" rtlCol="0">
             <a:spAutoFit/>
           </a:bodyPr>
+          <a:lstStyle/>
           <a:p>
             <a:r>
               <a:rPr lang="en-US" sz="2000">
@@ -12368,13 +12462,6 @@
               </a:rPr>
               <a:t>Example :</a:t>
             </a:r>
-            <a:endParaRPr lang="en-US" sz="2000">
-              <a:solidFill>
-                <a:srgbClr val="FF0000"/>
-              </a:solidFill>
-              <a:latin typeface="firacode" charset="0"/>
-              <a:cs typeface="firacode" charset="0"/>
-            </a:endParaRPr>
           </a:p>
         </p:txBody>
       </p:sp>
@@ -12398,6 +12485,7 @@
           <a:bodyPr wrap="square" rtlCol="0">
             <a:spAutoFit/>
           </a:bodyPr>
+          <a:lstStyle/>
           <a:p>
             <a:pPr marL="285750" indent="-285750">
               <a:buClr>
@@ -12425,7 +12513,7 @@
           <p:nvPr/>
         </p:nvPicPr>
         <p:blipFill>
-          <a:blip r:embed="rId1"/>
+          <a:blip r:embed="rId3"/>
           <a:srcRect l="5885" t="7062" r="6200" b="6679"/>
           <a:stretch>
             <a:fillRect/>
@@ -12450,7 +12538,7 @@
           <p:nvPr/>
         </p:nvPicPr>
         <p:blipFill>
-          <a:blip r:embed="rId2"/>
+          <a:blip r:embed="rId4"/>
           <a:srcRect l="16620" t="17192" r="17352" b="17668"/>
           <a:stretch>
             <a:fillRect/>
@@ -12471,13 +12559,18 @@
   <p:clrMapOvr>
     <a:masterClrMapping/>
   </p:clrMapOvr>
-  <p:timing>
-    <p:tnLst>
-      <p:par>
-        <p:cTn id="1" dur="indefinite" restart="never" nodeType="tmRoot"/>
-      </p:par>
-    </p:tnLst>
-  </p:timing>
+  <mc:AlternateContent xmlns:mc="http://schemas.openxmlformats.org/markup-compatibility/2006">
+    <mc:Choice xmlns:p14="http://schemas.microsoft.com/office/powerpoint/2010/main" Requires="p14">
+      <p:transition spd="med" p14:dur="700">
+        <p:fade/>
+      </p:transition>
+    </mc:Choice>
+    <mc:Fallback>
+      <p:transition spd="med">
+        <p:fade/>
+      </p:transition>
+    </mc:Fallback>
+  </mc:AlternateContent>
 </p:sld>
 </file>
 
@@ -12626,6 +12719,7 @@
           <a:bodyPr wrap="square" rtlCol="0">
             <a:spAutoFit/>
           </a:bodyPr>
+          <a:lstStyle/>
           <a:p>
             <a:r>
               <a:rPr lang="en-US" sz="2000">
@@ -12637,13 +12731,6 @@
               </a:rPr>
               <a:t>Super Keyword:</a:t>
             </a:r>
-            <a:endParaRPr lang="en-US" sz="2000">
-              <a:solidFill>
-                <a:srgbClr val="FF0000"/>
-              </a:solidFill>
-              <a:latin typeface="firacode" charset="0"/>
-              <a:cs typeface="firacode" charset="0"/>
-            </a:endParaRPr>
           </a:p>
         </p:txBody>
       </p:sp>
@@ -12667,6 +12754,7 @@
           <a:bodyPr wrap="square" rtlCol="0">
             <a:spAutoFit/>
           </a:bodyPr>
+          <a:lstStyle/>
           <a:p>
             <a:pPr marL="285750" indent="-285750">
               <a:buClr>
@@ -12705,6 +12793,7 @@
           <a:bodyPr wrap="square" rtlCol="0">
             <a:spAutoFit/>
           </a:bodyPr>
+          <a:lstStyle/>
           <a:p>
             <a:pPr marL="285750" indent="-285750">
               <a:buClr>
@@ -12723,6 +12812,15 @@
               </a:rPr>
               <a:t>‘super’ is a reference variable that refers to the parent object, or can be said “Super” in Java is a keyword that refers to the parent class object instance of parent class.</a:t>
             </a:r>
+          </a:p>
+          <a:p>
+            <a:pPr marL="285750" indent="-285750">
+              <a:buClr>
+                <a:srgbClr val="FFFFFF"/>
+              </a:buClr>
+              <a:buFont typeface="Wingdings" panose="05000000000000000000" charset="0"/>
+              <a:buChar char="v"/>
+            </a:pPr>
             <a:endParaRPr lang="en-US">
               <a:solidFill>
                 <a:schemeClr val="accent6"/>
@@ -12739,6 +12837,25 @@
               <a:buFont typeface="Wingdings" panose="05000000000000000000" charset="0"/>
               <a:buChar char="v"/>
             </a:pPr>
+            <a:r>
+              <a:rPr lang="en-US">
+                <a:solidFill>
+                  <a:schemeClr val="accent6"/>
+                </a:solidFill>
+                <a:latin typeface="firacode" charset="0"/>
+                <a:cs typeface="firacode" charset="0"/>
+              </a:rPr>
+              <a:t>When the child aand parent class have same variable name in order to differtiate we use “super” keyword.</a:t>
+            </a:r>
+          </a:p>
+          <a:p>
+            <a:pPr marL="285750" indent="-285750">
+              <a:buClr>
+                <a:srgbClr val="FFFFFF"/>
+              </a:buClr>
+              <a:buFont typeface="Wingdings" panose="05000000000000000000" charset="0"/>
+              <a:buChar char="v"/>
+            </a:pPr>
             <a:endParaRPr lang="en-US">
               <a:solidFill>
                 <a:schemeClr val="accent6"/>
@@ -12763,57 +12880,8 @@
                 <a:latin typeface="firacode" charset="0"/>
                 <a:cs typeface="firacode" charset="0"/>
               </a:rPr>
-              <a:t>When the child aand parent class have same variable name in order to differtiate we use “super” keyword.</a:t>
-            </a:r>
-            <a:endParaRPr lang="en-US">
-              <a:solidFill>
-                <a:schemeClr val="accent6"/>
-              </a:solidFill>
-              <a:latin typeface="firacode" charset="0"/>
-              <a:cs typeface="firacode" charset="0"/>
-            </a:endParaRPr>
-          </a:p>
-          <a:p>
-            <a:pPr marL="285750" indent="-285750">
-              <a:buClr>
-                <a:srgbClr val="FFFFFF"/>
-              </a:buClr>
-              <a:buFont typeface="Wingdings" panose="05000000000000000000" charset="0"/>
-              <a:buChar char="v"/>
-            </a:pPr>
-            <a:endParaRPr lang="en-US">
-              <a:solidFill>
-                <a:schemeClr val="accent6"/>
-              </a:solidFill>
-              <a:latin typeface="firacode" charset="0"/>
-              <a:cs typeface="firacode" charset="0"/>
-            </a:endParaRPr>
-          </a:p>
-          <a:p>
-            <a:pPr marL="285750" indent="-285750">
-              <a:buClr>
-                <a:srgbClr val="FFFFFF"/>
-              </a:buClr>
-              <a:buFont typeface="Wingdings" panose="05000000000000000000" charset="0"/>
-              <a:buChar char="v"/>
-            </a:pPr>
-            <a:r>
-              <a:rPr lang="en-US">
-                <a:solidFill>
-                  <a:schemeClr val="accent6"/>
-                </a:solidFill>
-                <a:latin typeface="firacode" charset="0"/>
-                <a:cs typeface="firacode" charset="0"/>
-              </a:rPr>
               <a:t>is a relationship is manditory.</a:t>
             </a:r>
-            <a:endParaRPr lang="en-US">
-              <a:solidFill>
-                <a:schemeClr val="accent6"/>
-              </a:solidFill>
-              <a:latin typeface="firacode" charset="0"/>
-              <a:cs typeface="firacode" charset="0"/>
-            </a:endParaRPr>
           </a:p>
         </p:txBody>
       </p:sp>
@@ -12841,6 +12909,7 @@
           <a:bodyPr wrap="square" rtlCol="0">
             <a:spAutoFit/>
           </a:bodyPr>
+          <a:lstStyle/>
           <a:p>
             <a:r>
               <a:rPr lang="en-US" sz="2000">
@@ -12852,13 +12921,6 @@
               </a:rPr>
               <a:t>Syntax :</a:t>
             </a:r>
-            <a:endParaRPr lang="en-US" sz="2000">
-              <a:solidFill>
-                <a:srgbClr val="FF0000"/>
-              </a:solidFill>
-              <a:latin typeface="firacode" charset="0"/>
-              <a:cs typeface="firacode" charset="0"/>
-            </a:endParaRPr>
           </a:p>
         </p:txBody>
       </p:sp>
@@ -12886,6 +12948,7 @@
           <a:bodyPr wrap="square" rtlCol="0">
             <a:spAutoFit/>
           </a:bodyPr>
+          <a:lstStyle/>
           <a:p>
             <a:pPr marL="285750" indent="-285750">
               <a:buClr>
@@ -12904,13 +12967,6 @@
               </a:rPr>
               <a:t>super.a=a</a:t>
             </a:r>
-            <a:endParaRPr lang="en-US">
-              <a:solidFill>
-                <a:schemeClr val="accent6"/>
-              </a:solidFill>
-              <a:latin typeface="firacode" charset="0"/>
-              <a:cs typeface="firacode" charset="0"/>
-            </a:endParaRPr>
           </a:p>
         </p:txBody>
       </p:sp>
@@ -12919,13 +12975,18 @@
   <p:clrMapOvr>
     <a:masterClrMapping/>
   </p:clrMapOvr>
-  <p:timing>
-    <p:tnLst>
-      <p:par>
-        <p:cTn id="1" dur="indefinite" restart="never" nodeType="tmRoot"/>
-      </p:par>
-    </p:tnLst>
-  </p:timing>
+  <mc:AlternateContent xmlns:mc="http://schemas.openxmlformats.org/markup-compatibility/2006">
+    <mc:Choice xmlns:p14="http://schemas.microsoft.com/office/powerpoint/2010/main" Requires="p14">
+      <p:transition spd="med" p14:dur="700">
+        <p:fade/>
+      </p:transition>
+    </mc:Choice>
+    <mc:Fallback>
+      <p:transition spd="med">
+        <p:fade/>
+      </p:transition>
+    </mc:Fallback>
+  </mc:AlternateContent>
 </p:sld>
 </file>
 
@@ -13074,6 +13135,7 @@
           <a:bodyPr wrap="square" rtlCol="0">
             <a:spAutoFit/>
           </a:bodyPr>
+          <a:lstStyle/>
           <a:p>
             <a:r>
               <a:rPr lang="en-US" sz="2000">
@@ -13085,13 +13147,6 @@
               </a:rPr>
               <a:t>Super Call:</a:t>
             </a:r>
-            <a:endParaRPr lang="en-US" sz="2000">
-              <a:solidFill>
-                <a:srgbClr val="FF0000"/>
-              </a:solidFill>
-              <a:latin typeface="firacode" charset="0"/>
-              <a:cs typeface="firacode" charset="0"/>
-            </a:endParaRPr>
           </a:p>
         </p:txBody>
       </p:sp>
@@ -13115,6 +13170,7 @@
           <a:bodyPr wrap="square" rtlCol="0">
             <a:spAutoFit/>
           </a:bodyPr>
+          <a:lstStyle/>
           <a:p>
             <a:pPr marL="285750" indent="-285750">
               <a:buClr>
@@ -13153,6 +13209,7 @@
           <a:bodyPr wrap="square" rtlCol="0">
             <a:noAutofit/>
           </a:bodyPr>
+          <a:lstStyle/>
           <a:p>
             <a:pPr marL="285750" indent="-285750">
               <a:buClr>
@@ -13171,6 +13228,15 @@
               </a:rPr>
               <a:t>Super call statement is used to call the Parent class constructor.</a:t>
             </a:r>
+          </a:p>
+          <a:p>
+            <a:pPr marL="285750" indent="-285750">
+              <a:buClr>
+                <a:srgbClr val="FFFFFF"/>
+              </a:buClr>
+              <a:buFont typeface="Wingdings" panose="05000000000000000000" charset="0"/>
+              <a:buChar char="v"/>
+            </a:pPr>
             <a:endParaRPr lang="en-US">
               <a:solidFill>
                 <a:schemeClr val="accent6"/>
@@ -13187,6 +13253,25 @@
               <a:buFont typeface="Wingdings" panose="05000000000000000000" charset="0"/>
               <a:buChar char="v"/>
             </a:pPr>
+            <a:r>
+              <a:rPr lang="en-US">
+                <a:solidFill>
+                  <a:schemeClr val="accent6"/>
+                </a:solidFill>
+                <a:latin typeface="firacode" charset="0"/>
+                <a:cs typeface="firacode" charset="0"/>
+              </a:rPr>
+              <a:t>Complier will defaut add super call statement in the child class Constructor.</a:t>
+            </a:r>
+          </a:p>
+          <a:p>
+            <a:pPr marL="285750" indent="-285750">
+              <a:buClr>
+                <a:srgbClr val="FFFFFF"/>
+              </a:buClr>
+              <a:buFont typeface="Wingdings" panose="05000000000000000000" charset="0"/>
+              <a:buChar char="v"/>
+            </a:pPr>
             <a:endParaRPr lang="en-US">
               <a:solidFill>
                 <a:schemeClr val="accent6"/>
@@ -13211,8 +13296,17 @@
                 <a:latin typeface="firacode" charset="0"/>
                 <a:cs typeface="firacode" charset="0"/>
               </a:rPr>
-              <a:t>Complier will defaut add super call statement in the child class Constructor.</a:t>
-            </a:r>
+              <a:t>Is a relatinship is manditory.</a:t>
+            </a:r>
+          </a:p>
+          <a:p>
+            <a:pPr marL="285750" indent="-285750">
+              <a:buClr>
+                <a:srgbClr val="FFFFFF"/>
+              </a:buClr>
+              <a:buFont typeface="Wingdings" panose="05000000000000000000" charset="0"/>
+              <a:buChar char="v"/>
+            </a:pPr>
             <a:endParaRPr lang="en-US">
               <a:solidFill>
                 <a:schemeClr val="accent6"/>
@@ -13237,64 +13331,6 @@
               <a:cs typeface="firacode" charset="0"/>
             </a:endParaRPr>
           </a:p>
-          <a:p>
-            <a:pPr marL="285750" indent="-285750">
-              <a:buClr>
-                <a:srgbClr val="FFFFFF"/>
-              </a:buClr>
-              <a:buFont typeface="Wingdings" panose="05000000000000000000" charset="0"/>
-              <a:buChar char="v"/>
-            </a:pPr>
-            <a:r>
-              <a:rPr lang="en-US">
-                <a:solidFill>
-                  <a:schemeClr val="accent6"/>
-                </a:solidFill>
-                <a:latin typeface="firacode" charset="0"/>
-                <a:cs typeface="firacode" charset="0"/>
-              </a:rPr>
-              <a:t>Is a relatinship is manditory.</a:t>
-            </a:r>
-            <a:endParaRPr lang="en-US">
-              <a:solidFill>
-                <a:schemeClr val="accent6"/>
-              </a:solidFill>
-              <a:latin typeface="firacode" charset="0"/>
-              <a:cs typeface="firacode" charset="0"/>
-            </a:endParaRPr>
-          </a:p>
-          <a:p>
-            <a:pPr marL="285750" indent="-285750">
-              <a:buClr>
-                <a:srgbClr val="FFFFFF"/>
-              </a:buClr>
-              <a:buFont typeface="Wingdings" panose="05000000000000000000" charset="0"/>
-              <a:buChar char="v"/>
-            </a:pPr>
-            <a:endParaRPr lang="en-US">
-              <a:solidFill>
-                <a:schemeClr val="accent6"/>
-              </a:solidFill>
-              <a:latin typeface="firacode" charset="0"/>
-              <a:cs typeface="firacode" charset="0"/>
-            </a:endParaRPr>
-          </a:p>
-          <a:p>
-            <a:pPr marL="285750" indent="-285750">
-              <a:buClr>
-                <a:srgbClr val="FFFFFF"/>
-              </a:buClr>
-              <a:buFont typeface="Wingdings" panose="05000000000000000000" charset="0"/>
-              <a:buChar char="v"/>
-            </a:pPr>
-            <a:endParaRPr lang="en-US">
-              <a:solidFill>
-                <a:schemeClr val="accent6"/>
-              </a:solidFill>
-              <a:latin typeface="firacode" charset="0"/>
-              <a:cs typeface="firacode" charset="0"/>
-            </a:endParaRPr>
-          </a:p>
         </p:txBody>
       </p:sp>
       <p:sp>
@@ -13321,6 +13357,7 @@
           <a:bodyPr wrap="square" rtlCol="0">
             <a:spAutoFit/>
           </a:bodyPr>
+          <a:lstStyle/>
           <a:p>
             <a:r>
               <a:rPr lang="en-US" sz="2000">
@@ -13332,13 +13369,6 @@
               </a:rPr>
               <a:t>Syntax :</a:t>
             </a:r>
-            <a:endParaRPr lang="en-US" sz="2000">
-              <a:solidFill>
-                <a:srgbClr val="FF0000"/>
-              </a:solidFill>
-              <a:latin typeface="firacode" charset="0"/>
-              <a:cs typeface="firacode" charset="0"/>
-            </a:endParaRPr>
           </a:p>
         </p:txBody>
       </p:sp>
@@ -13366,6 +13396,7 @@
           <a:bodyPr wrap="square" rtlCol="0">
             <a:spAutoFit/>
           </a:bodyPr>
+          <a:lstStyle/>
           <a:p>
             <a:pPr marL="285750" indent="-285750">
               <a:buClr>
@@ -13384,13 +13415,6 @@
               </a:rPr>
               <a:t>super( );</a:t>
             </a:r>
-            <a:endParaRPr lang="en-US">
-              <a:solidFill>
-                <a:schemeClr val="accent6"/>
-              </a:solidFill>
-              <a:latin typeface="firacode" charset="0"/>
-              <a:cs typeface="firacode" charset="0"/>
-            </a:endParaRPr>
           </a:p>
         </p:txBody>
       </p:sp>
@@ -13399,13 +13423,18 @@
   <p:clrMapOvr>
     <a:masterClrMapping/>
   </p:clrMapOvr>
-  <p:timing>
-    <p:tnLst>
-      <p:par>
-        <p:cTn id="1" dur="indefinite" restart="never" nodeType="tmRoot"/>
-      </p:par>
-    </p:tnLst>
-  </p:timing>
+  <mc:AlternateContent xmlns:mc="http://schemas.openxmlformats.org/markup-compatibility/2006">
+    <mc:Choice xmlns:p14="http://schemas.microsoft.com/office/powerpoint/2010/main" Requires="p14">
+      <p:transition spd="med" p14:dur="700">
+        <p:fade/>
+      </p:transition>
+    </mc:Choice>
+    <mc:Fallback>
+      <p:transition spd="med">
+        <p:fade/>
+      </p:transition>
+    </mc:Fallback>
+  </mc:AlternateContent>
 </p:sld>
 </file>
 
@@ -13554,6 +13583,7 @@
           <a:bodyPr wrap="square" rtlCol="0">
             <a:spAutoFit/>
           </a:bodyPr>
+          <a:lstStyle/>
           <a:p>
             <a:r>
               <a:rPr lang="en-US" sz="2000">
@@ -13565,13 +13595,6 @@
               </a:rPr>
               <a:t>Example :</a:t>
             </a:r>
-            <a:endParaRPr lang="en-US" sz="2000">
-              <a:solidFill>
-                <a:srgbClr val="FF0000"/>
-              </a:solidFill>
-              <a:latin typeface="firacode" charset="0"/>
-              <a:cs typeface="firacode" charset="0"/>
-            </a:endParaRPr>
           </a:p>
         </p:txBody>
       </p:sp>
@@ -13595,6 +13618,7 @@
           <a:bodyPr wrap="square" rtlCol="0">
             <a:spAutoFit/>
           </a:bodyPr>
+          <a:lstStyle/>
           <a:p>
             <a:pPr marL="285750" indent="-285750">
               <a:buClr>
@@ -13622,7 +13646,7 @@
           <p:nvPr/>
         </p:nvPicPr>
         <p:blipFill>
-          <a:blip r:embed="rId1"/>
+          <a:blip r:embed="rId3"/>
           <a:srcRect l="5451" t="11130" r="5403" b="11053"/>
           <a:stretch>
             <a:fillRect/>
@@ -13647,7 +13671,7 @@
           <p:nvPr/>
         </p:nvPicPr>
         <p:blipFill>
-          <a:blip r:embed="rId2"/>
+          <a:blip r:embed="rId4"/>
           <a:srcRect l="5171" t="6333" r="5602" b="6247"/>
           <a:stretch>
             <a:fillRect/>
@@ -13668,13 +13692,18 @@
   <p:clrMapOvr>
     <a:masterClrMapping/>
   </p:clrMapOvr>
-  <p:timing>
-    <p:tnLst>
-      <p:par>
-        <p:cTn id="1" dur="indefinite" restart="never" nodeType="tmRoot"/>
-      </p:par>
-    </p:tnLst>
-  </p:timing>
+  <mc:AlternateContent xmlns:mc="http://schemas.openxmlformats.org/markup-compatibility/2006">
+    <mc:Choice xmlns:p14="http://schemas.microsoft.com/office/powerpoint/2010/main" Requires="p14">
+      <p:transition spd="med" p14:dur="700">
+        <p:fade/>
+      </p:transition>
+    </mc:Choice>
+    <mc:Fallback>
+      <p:transition spd="med">
+        <p:fade/>
+      </p:transition>
+    </mc:Fallback>
+  </mc:AlternateContent>
 </p:sld>
 </file>
 
@@ -13823,6 +13852,7 @@
           <a:bodyPr wrap="square" rtlCol="0">
             <a:spAutoFit/>
           </a:bodyPr>
+          <a:lstStyle/>
           <a:p>
             <a:r>
               <a:rPr lang="en-US" sz="2000">
@@ -13834,13 +13864,6 @@
               </a:rPr>
               <a:t>Output :</a:t>
             </a:r>
-            <a:endParaRPr lang="en-US" sz="2000">
-              <a:solidFill>
-                <a:srgbClr val="FF0000"/>
-              </a:solidFill>
-              <a:latin typeface="firacode" charset="0"/>
-              <a:cs typeface="firacode" charset="0"/>
-            </a:endParaRPr>
           </a:p>
         </p:txBody>
       </p:sp>
@@ -13864,6 +13887,7 @@
           <a:bodyPr wrap="square" rtlCol="0">
             <a:spAutoFit/>
           </a:bodyPr>
+          <a:lstStyle/>
           <a:p>
             <a:pPr marL="285750" indent="-285750">
               <a:buClr>
@@ -13891,7 +13915,7 @@
           <p:nvPr/>
         </p:nvPicPr>
         <p:blipFill>
-          <a:blip r:embed="rId1"/>
+          <a:blip r:embed="rId3"/>
           <a:srcRect l="9086" t="14850" r="9391" b="15240"/>
           <a:stretch>
             <a:fillRect/>
@@ -13912,13 +13936,18 @@
   <p:clrMapOvr>
     <a:masterClrMapping/>
   </p:clrMapOvr>
-  <p:timing>
-    <p:tnLst>
-      <p:par>
-        <p:cTn id="1" dur="indefinite" restart="never" nodeType="tmRoot"/>
-      </p:par>
-    </p:tnLst>
-  </p:timing>
+  <mc:AlternateContent xmlns:mc="http://schemas.openxmlformats.org/markup-compatibility/2006">
+    <mc:Choice xmlns:p14="http://schemas.microsoft.com/office/powerpoint/2010/main" Requires="p14">
+      <p:transition spd="med" p14:dur="700">
+        <p:fade/>
+      </p:transition>
+    </mc:Choice>
+    <mc:Fallback>
+      <p:transition spd="med">
+        <p:fade/>
+      </p:transition>
+    </mc:Fallback>
+  </mc:AlternateContent>
 </p:sld>
 </file>
 
@@ -14067,6 +14096,7 @@
           <a:bodyPr wrap="square" rtlCol="0">
             <a:spAutoFit/>
           </a:bodyPr>
+          <a:lstStyle/>
           <a:p>
             <a:r>
               <a:rPr lang="en-US" sz="2000">
@@ -14078,13 +14108,6 @@
               </a:rPr>
               <a:t>What is TypeCasting :</a:t>
             </a:r>
-            <a:endParaRPr lang="en-US" sz="2000">
-              <a:solidFill>
-                <a:srgbClr val="FF0000"/>
-              </a:solidFill>
-              <a:latin typeface="firacode" charset="0"/>
-              <a:cs typeface="firacode" charset="0"/>
-            </a:endParaRPr>
           </a:p>
         </p:txBody>
       </p:sp>
@@ -14108,6 +14131,7 @@
           <a:bodyPr wrap="square" rtlCol="0">
             <a:spAutoFit/>
           </a:bodyPr>
+          <a:lstStyle/>
           <a:p>
             <a:pPr marL="285750" indent="-285750">
               <a:buClr>
@@ -14126,13 +14150,6 @@
               </a:rPr>
               <a:t>TypeCasting is the process of converting one non-primitive datatype into another non-primitive datatype.</a:t>
             </a:r>
-            <a:endParaRPr lang="en-US">
-              <a:solidFill>
-                <a:schemeClr val="accent6"/>
-              </a:solidFill>
-              <a:latin typeface="firacode" charset="0"/>
-              <a:cs typeface="firacode" charset="0"/>
-            </a:endParaRPr>
           </a:p>
         </p:txBody>
       </p:sp>
@@ -14156,6 +14173,7 @@
           <a:bodyPr wrap="square" rtlCol="0">
             <a:spAutoFit/>
           </a:bodyPr>
+          <a:lstStyle/>
           <a:p>
             <a:r>
               <a:rPr lang="en-US">
@@ -14167,13 +14185,6 @@
               </a:rPr>
               <a:t>TYPECASTING</a:t>
             </a:r>
-            <a:endParaRPr lang="en-US">
-              <a:solidFill>
-                <a:srgbClr val="FF0000"/>
-              </a:solidFill>
-              <a:latin typeface="firacode" charset="0"/>
-              <a:cs typeface="firacode" charset="0"/>
-            </a:endParaRPr>
           </a:p>
         </p:txBody>
       </p:sp>
@@ -14329,6 +14340,7 @@
           <a:bodyPr wrap="square" rtlCol="0">
             <a:spAutoFit/>
           </a:bodyPr>
+          <a:lstStyle/>
           <a:p>
             <a:r>
               <a:rPr lang="en-US">
@@ -14340,13 +14352,6 @@
               </a:rPr>
               <a:t>Upcasting</a:t>
             </a:r>
-            <a:endParaRPr lang="en-US">
-              <a:solidFill>
-                <a:srgbClr val="FF0000"/>
-              </a:solidFill>
-              <a:latin typeface="firacode" charset="0"/>
-              <a:cs typeface="firacode" charset="0"/>
-            </a:endParaRPr>
           </a:p>
         </p:txBody>
       </p:sp>
@@ -14374,6 +14379,7 @@
           <a:bodyPr wrap="square" rtlCol="0">
             <a:spAutoFit/>
           </a:bodyPr>
+          <a:lstStyle/>
           <a:p>
             <a:r>
               <a:rPr lang="en-US">
@@ -14385,13 +14391,6 @@
               </a:rPr>
               <a:t>Downcasting</a:t>
             </a:r>
-            <a:endParaRPr lang="en-US">
-              <a:solidFill>
-                <a:srgbClr val="FF0000"/>
-              </a:solidFill>
-              <a:latin typeface="firacode" charset="0"/>
-              <a:cs typeface="firacode" charset="0"/>
-            </a:endParaRPr>
           </a:p>
         </p:txBody>
       </p:sp>
@@ -14400,13 +14399,18 @@
   <p:clrMapOvr>
     <a:masterClrMapping/>
   </p:clrMapOvr>
-  <p:timing>
-    <p:tnLst>
-      <p:par>
-        <p:cTn id="1" dur="indefinite" restart="never" nodeType="tmRoot"/>
-      </p:par>
-    </p:tnLst>
-  </p:timing>
+  <mc:AlternateContent xmlns:mc="http://schemas.openxmlformats.org/markup-compatibility/2006">
+    <mc:Choice xmlns:p14="http://schemas.microsoft.com/office/powerpoint/2010/main" Requires="p14">
+      <p:transition spd="med" p14:dur="700">
+        <p:fade/>
+      </p:transition>
+    </mc:Choice>
+    <mc:Fallback>
+      <p:transition spd="med">
+        <p:fade/>
+      </p:transition>
+    </mc:Fallback>
+  </mc:AlternateContent>
 </p:sld>
 </file>
 
@@ -14555,6 +14559,7 @@
           <a:bodyPr wrap="square" rtlCol="0">
             <a:spAutoFit/>
           </a:bodyPr>
+          <a:lstStyle/>
           <a:p>
             <a:pPr marL="285750" indent="-285750">
               <a:buClr>
@@ -14573,6 +14578,15 @@
               </a:rPr>
               <a:t>Upcasting is the typecasting of a child object to a parent object.</a:t>
             </a:r>
+          </a:p>
+          <a:p>
+            <a:pPr marL="285750" indent="-285750">
+              <a:buClr>
+                <a:srgbClr val="FFFFFF"/>
+              </a:buClr>
+              <a:buFont typeface="Wingdings" panose="05000000000000000000" charset="0"/>
+              <a:buChar char="v"/>
+            </a:pPr>
             <a:endParaRPr lang="en-US">
               <a:solidFill>
                 <a:schemeClr val="accent6"/>
@@ -14589,6 +14603,25 @@
               <a:buFont typeface="Wingdings" panose="05000000000000000000" charset="0"/>
               <a:buChar char="v"/>
             </a:pPr>
+            <a:r>
+              <a:rPr lang="en-US">
+                <a:solidFill>
+                  <a:schemeClr val="accent6"/>
+                </a:solidFill>
+                <a:latin typeface="firacode" charset="0"/>
+                <a:cs typeface="firacode" charset="0"/>
+              </a:rPr>
+              <a:t> Upcasting can be done implicitly. </a:t>
+            </a:r>
+          </a:p>
+          <a:p>
+            <a:pPr marL="285750" indent="-285750">
+              <a:buClr>
+                <a:srgbClr val="FFFFFF"/>
+              </a:buClr>
+              <a:buFont typeface="Wingdings" panose="05000000000000000000" charset="0"/>
+              <a:buChar char="v"/>
+            </a:pPr>
             <a:endParaRPr lang="en-US">
               <a:solidFill>
                 <a:schemeClr val="accent6"/>
@@ -14613,8 +14646,17 @@
                 <a:latin typeface="firacode" charset="0"/>
                 <a:cs typeface="firacode" charset="0"/>
               </a:rPr>
-              <a:t> Upcasting can be done implicitly. </a:t>
-            </a:r>
+              <a:t>Upcasting gives us the flexibility to access the parent class members but it is not possible to access all the child class members using this feature.</a:t>
+            </a:r>
+          </a:p>
+          <a:p>
+            <a:pPr marL="285750" indent="-285750">
+              <a:buClr>
+                <a:srgbClr val="FFFFFF"/>
+              </a:buClr>
+              <a:buFont typeface="Wingdings" panose="05000000000000000000" charset="0"/>
+              <a:buChar char="v"/>
+            </a:pPr>
             <a:endParaRPr lang="en-US">
               <a:solidFill>
                 <a:schemeClr val="accent6"/>
@@ -14631,64 +14673,6 @@
               <a:buFont typeface="Wingdings" panose="05000000000000000000" charset="0"/>
               <a:buChar char="v"/>
             </a:pPr>
-            <a:endParaRPr lang="en-US">
-              <a:solidFill>
-                <a:schemeClr val="accent6"/>
-              </a:solidFill>
-              <a:latin typeface="firacode" charset="0"/>
-              <a:cs typeface="firacode" charset="0"/>
-            </a:endParaRPr>
-          </a:p>
-          <a:p>
-            <a:pPr marL="285750" indent="-285750">
-              <a:buClr>
-                <a:srgbClr val="FFFFFF"/>
-              </a:buClr>
-              <a:buFont typeface="Wingdings" panose="05000000000000000000" charset="0"/>
-              <a:buChar char="v"/>
-            </a:pPr>
-            <a:r>
-              <a:rPr lang="en-US">
-                <a:solidFill>
-                  <a:schemeClr val="accent6"/>
-                </a:solidFill>
-                <a:latin typeface="firacode" charset="0"/>
-                <a:cs typeface="firacode" charset="0"/>
-              </a:rPr>
-              <a:t>Upcasting gives us the flexibility to access the parent class members but it is not possible to access all the child class members using this feature.</a:t>
-            </a:r>
-            <a:endParaRPr lang="en-US">
-              <a:solidFill>
-                <a:schemeClr val="accent6"/>
-              </a:solidFill>
-              <a:latin typeface="firacode" charset="0"/>
-              <a:cs typeface="firacode" charset="0"/>
-            </a:endParaRPr>
-          </a:p>
-          <a:p>
-            <a:pPr marL="285750" indent="-285750">
-              <a:buClr>
-                <a:srgbClr val="FFFFFF"/>
-              </a:buClr>
-              <a:buFont typeface="Wingdings" panose="05000000000000000000" charset="0"/>
-              <a:buChar char="v"/>
-            </a:pPr>
-            <a:endParaRPr lang="en-US">
-              <a:solidFill>
-                <a:schemeClr val="accent6"/>
-              </a:solidFill>
-              <a:latin typeface="firacode" charset="0"/>
-              <a:cs typeface="firacode" charset="0"/>
-            </a:endParaRPr>
-          </a:p>
-          <a:p>
-            <a:pPr marL="285750" indent="-285750">
-              <a:buClr>
-                <a:srgbClr val="FFFFFF"/>
-              </a:buClr>
-              <a:buFont typeface="Wingdings" panose="05000000000000000000" charset="0"/>
-              <a:buChar char="v"/>
-            </a:pPr>
             <a:r>
               <a:rPr lang="en-US">
                 <a:solidFill>
@@ -14699,13 +14683,6 @@
               </a:rPr>
               <a:t> we can access the overridden methods. Advantage is Generalization of object.</a:t>
             </a:r>
-            <a:endParaRPr lang="en-US">
-              <a:solidFill>
-                <a:schemeClr val="accent6"/>
-              </a:solidFill>
-              <a:latin typeface="firacode" charset="0"/>
-              <a:cs typeface="firacode" charset="0"/>
-            </a:endParaRPr>
           </a:p>
         </p:txBody>
       </p:sp>
@@ -14733,6 +14710,7 @@
           <a:bodyPr wrap="square" rtlCol="0">
             <a:spAutoFit/>
           </a:bodyPr>
+          <a:lstStyle/>
           <a:p>
             <a:r>
               <a:rPr lang="en-US" sz="2500">
@@ -14744,13 +14722,6 @@
               </a:rPr>
               <a:t>Upcasting</a:t>
             </a:r>
-            <a:endParaRPr lang="en-US" sz="2500">
-              <a:solidFill>
-                <a:srgbClr val="FF0000"/>
-              </a:solidFill>
-              <a:latin typeface="firacode" charset="0"/>
-              <a:cs typeface="firacode" charset="0"/>
-            </a:endParaRPr>
           </a:p>
         </p:txBody>
       </p:sp>
@@ -14778,6 +14749,7 @@
           <a:bodyPr wrap="square" rtlCol="0">
             <a:noAutofit/>
           </a:bodyPr>
+          <a:lstStyle/>
           <a:p>
             <a:r>
               <a:rPr lang="en-US" sz="2000">
@@ -14799,13 +14771,6 @@
               </a:rPr>
               <a:t>:</a:t>
             </a:r>
-            <a:endParaRPr lang="en-US" sz="2500">
-              <a:solidFill>
-                <a:srgbClr val="FF0000"/>
-              </a:solidFill>
-              <a:latin typeface="firacode" charset="0"/>
-              <a:cs typeface="firacode" charset="0"/>
-            </a:endParaRPr>
           </a:p>
         </p:txBody>
       </p:sp>
@@ -14829,6 +14794,7 @@
           <a:bodyPr wrap="square" rtlCol="0">
             <a:spAutoFit/>
           </a:bodyPr>
+          <a:lstStyle/>
           <a:p>
             <a:r>
               <a:rPr lang="en-US">
@@ -14840,13 +14806,6 @@
               </a:rPr>
               <a:t>Child c = new Child(); </a:t>
             </a:r>
-            <a:endParaRPr lang="en-US">
-              <a:solidFill>
-                <a:schemeClr val="accent6"/>
-              </a:solidFill>
-              <a:latin typeface="firacode" charset="0"/>
-              <a:cs typeface="firacode" charset="0"/>
-            </a:endParaRPr>
           </a:p>
         </p:txBody>
       </p:sp>
@@ -14874,6 +14833,7 @@
           <a:bodyPr wrap="square" rtlCol="0">
             <a:spAutoFit/>
           </a:bodyPr>
+          <a:lstStyle/>
           <a:p>
             <a:r>
               <a:rPr lang="en-US">
@@ -14885,13 +14845,6 @@
               </a:rPr>
               <a:t>Parent p = new Child(): ; </a:t>
             </a:r>
-            <a:endParaRPr lang="en-US">
-              <a:solidFill>
-                <a:schemeClr val="accent6"/>
-              </a:solidFill>
-              <a:latin typeface="firacode" charset="0"/>
-              <a:cs typeface="firacode" charset="0"/>
-            </a:endParaRPr>
           </a:p>
         </p:txBody>
       </p:sp>
@@ -14900,13 +14853,18 @@
   <p:clrMapOvr>
     <a:masterClrMapping/>
   </p:clrMapOvr>
-  <p:timing>
-    <p:tnLst>
-      <p:par>
-        <p:cTn id="1" dur="indefinite" restart="never" nodeType="tmRoot"/>
-      </p:par>
-    </p:tnLst>
-  </p:timing>
+  <mc:AlternateContent xmlns:mc="http://schemas.openxmlformats.org/markup-compatibility/2006">
+    <mc:Choice xmlns:p14="http://schemas.microsoft.com/office/powerpoint/2010/main" Requires="p14">
+      <p:transition spd="med" p14:dur="700">
+        <p:fade/>
+      </p:transition>
+    </mc:Choice>
+    <mc:Fallback>
+      <p:transition spd="med">
+        <p:fade/>
+      </p:transition>
+    </mc:Fallback>
+  </mc:AlternateContent>
 </p:sld>
 </file>
 
@@ -15059,6 +15017,7 @@
           <a:bodyPr wrap="square" rtlCol="0">
             <a:noAutofit/>
           </a:bodyPr>
+          <a:lstStyle/>
           <a:p>
             <a:r>
               <a:rPr lang="en-US" sz="2200">
@@ -15080,13 +15039,6 @@
               </a:rPr>
               <a:t>:</a:t>
             </a:r>
-            <a:endParaRPr lang="en-US" sz="2500">
-              <a:solidFill>
-                <a:srgbClr val="FF0000"/>
-              </a:solidFill>
-              <a:latin typeface="firacode" charset="0"/>
-              <a:cs typeface="firacode" charset="0"/>
-            </a:endParaRPr>
           </a:p>
         </p:txBody>
       </p:sp>
@@ -15121,6 +15073,7 @@
         </p:style>
         <p:txBody>
           <a:bodyPr rtlCol="0" anchor="ctr"/>
+          <a:lstStyle/>
           <a:p>
             <a:pPr algn="ctr"/>
             <a:endParaRPr lang="en-US"/>
@@ -15147,6 +15100,7 @@
           <a:bodyPr wrap="square" rtlCol="0">
             <a:spAutoFit/>
           </a:bodyPr>
+          <a:lstStyle/>
           <a:p>
             <a:r>
               <a:rPr lang="en-US">
@@ -15158,13 +15112,6 @@
               </a:rPr>
               <a:t>non-Private-variables</a:t>
             </a:r>
-            <a:endParaRPr lang="en-US">
-              <a:solidFill>
-                <a:schemeClr val="accent6"/>
-              </a:solidFill>
-              <a:latin typeface="firacode" charset="0"/>
-              <a:cs typeface="firacode" charset="0"/>
-            </a:endParaRPr>
           </a:p>
         </p:txBody>
       </p:sp>
@@ -15192,6 +15139,7 @@
           <a:bodyPr wrap="square" rtlCol="0">
             <a:spAutoFit/>
           </a:bodyPr>
+          <a:lstStyle/>
           <a:p>
             <a:r>
               <a:rPr lang="en-US">
@@ -15203,13 +15151,6 @@
               </a:rPr>
               <a:t>non-Private-methods</a:t>
             </a:r>
-            <a:endParaRPr lang="en-US">
-              <a:solidFill>
-                <a:schemeClr val="accent6"/>
-              </a:solidFill>
-              <a:latin typeface="firacode" charset="0"/>
-              <a:cs typeface="firacode" charset="0"/>
-            </a:endParaRPr>
           </a:p>
         </p:txBody>
       </p:sp>
@@ -15237,6 +15178,7 @@
           <a:bodyPr wrap="square" rtlCol="0">
             <a:spAutoFit/>
           </a:bodyPr>
+          <a:lstStyle/>
           <a:p>
             <a:r>
               <a:rPr lang="en-US">
@@ -15248,13 +15190,6 @@
               </a:rPr>
               <a:t>ParentClass</a:t>
             </a:r>
-            <a:endParaRPr lang="en-US">
-              <a:solidFill>
-                <a:schemeClr val="accent6"/>
-              </a:solidFill>
-              <a:latin typeface="firacode" charset="0"/>
-              <a:cs typeface="firacode" charset="0"/>
-            </a:endParaRPr>
           </a:p>
         </p:txBody>
       </p:sp>
@@ -15323,6 +15258,7 @@
         </p:style>
         <p:txBody>
           <a:bodyPr rtlCol="0" anchor="ctr"/>
+          <a:lstStyle/>
           <a:p>
             <a:pPr algn="ctr"/>
             <a:endParaRPr lang="en-US"/>
@@ -15353,6 +15289,7 @@
           <a:bodyPr wrap="square" rtlCol="0">
             <a:spAutoFit/>
           </a:bodyPr>
+          <a:lstStyle/>
           <a:p>
             <a:r>
               <a:rPr lang="en-US">
@@ -15364,13 +15301,6 @@
               </a:rPr>
               <a:t>ChildClass</a:t>
             </a:r>
-            <a:endParaRPr lang="en-US">
-              <a:solidFill>
-                <a:schemeClr val="accent6"/>
-              </a:solidFill>
-              <a:latin typeface="firacode" charset="0"/>
-              <a:cs typeface="firacode" charset="0"/>
-            </a:endParaRPr>
           </a:p>
         </p:txBody>
       </p:sp>
@@ -15462,6 +15392,7 @@
           <a:bodyPr wrap="square" rtlCol="0">
             <a:spAutoFit/>
           </a:bodyPr>
+          <a:lstStyle/>
           <a:p>
             <a:r>
               <a:rPr lang="en-US">
@@ -15473,13 +15404,6 @@
               </a:rPr>
               <a:t>non-Private-variables,methods</a:t>
             </a:r>
-            <a:endParaRPr lang="en-US">
-              <a:solidFill>
-                <a:schemeClr val="accent6"/>
-              </a:solidFill>
-              <a:latin typeface="firacode" charset="0"/>
-              <a:cs typeface="firacode" charset="0"/>
-            </a:endParaRPr>
           </a:p>
           <a:p>
             <a:r>
@@ -15492,13 +15416,6 @@
               </a:rPr>
               <a:t> [ parent-class]</a:t>
             </a:r>
-            <a:endParaRPr lang="en-US">
-              <a:solidFill>
-                <a:schemeClr val="accent6"/>
-              </a:solidFill>
-              <a:latin typeface="firacode" charset="0"/>
-              <a:cs typeface="firacode" charset="0"/>
-            </a:endParaRPr>
           </a:p>
         </p:txBody>
       </p:sp>
@@ -15526,6 +15443,7 @@
           <a:bodyPr wrap="square" rtlCol="0">
             <a:spAutoFit/>
           </a:bodyPr>
+          <a:lstStyle/>
           <a:p>
             <a:r>
               <a:rPr lang="en-US">
@@ -15537,13 +15455,6 @@
               </a:rPr>
               <a:t>variables [ Child-class ,]</a:t>
             </a:r>
-            <a:endParaRPr lang="en-US">
-              <a:solidFill>
-                <a:schemeClr val="accent6"/>
-              </a:solidFill>
-              <a:latin typeface="firacode" charset="0"/>
-              <a:cs typeface="firacode" charset="0"/>
-            </a:endParaRPr>
           </a:p>
         </p:txBody>
       </p:sp>
@@ -15571,6 +15482,7 @@
           <a:bodyPr wrap="square" rtlCol="0">
             <a:spAutoFit/>
           </a:bodyPr>
+          <a:lstStyle/>
           <a:p>
             <a:r>
               <a:rPr lang="en-US">
@@ -15582,13 +15494,6 @@
               </a:rPr>
               <a:t>methods-[ child Class ]</a:t>
             </a:r>
-            <a:endParaRPr lang="en-US">
-              <a:solidFill>
-                <a:schemeClr val="accent6"/>
-              </a:solidFill>
-              <a:latin typeface="firacode" charset="0"/>
-              <a:cs typeface="firacode" charset="0"/>
-            </a:endParaRPr>
           </a:p>
         </p:txBody>
       </p:sp>
@@ -15612,6 +15517,7 @@
           <a:bodyPr wrap="square" rtlCol="0">
             <a:spAutoFit/>
           </a:bodyPr>
+          <a:lstStyle/>
           <a:p>
             <a:r>
               <a:rPr lang="en-US" sz="1800">
@@ -15623,13 +15529,6 @@
               </a:rPr>
               <a:t>Extends</a:t>
             </a:r>
-            <a:endParaRPr lang="en-US" sz="1800">
-              <a:solidFill>
-                <a:schemeClr val="accent6"/>
-              </a:solidFill>
-              <a:latin typeface="firacode" charset="0"/>
-              <a:cs typeface="firacode" charset="0"/>
-            </a:endParaRPr>
           </a:p>
         </p:txBody>
       </p:sp>
@@ -15657,6 +15556,7 @@
           <a:bodyPr wrap="square" rtlCol="0">
             <a:spAutoFit/>
           </a:bodyPr>
+          <a:lstStyle/>
           <a:p>
             <a:r>
               <a:rPr lang="en-US" sz="1600">
@@ -15668,13 +15568,6 @@
               </a:rPr>
               <a:t>ChildClass c=new ChildClass();</a:t>
             </a:r>
-            <a:endParaRPr lang="en-US" sz="1600">
-              <a:solidFill>
-                <a:schemeClr val="accent6"/>
-              </a:solidFill>
-              <a:latin typeface="firacode" charset="0"/>
-              <a:cs typeface="firacode" charset="0"/>
-            </a:endParaRPr>
           </a:p>
         </p:txBody>
       </p:sp>
@@ -15702,6 +15595,7 @@
           <a:bodyPr wrap="square" rtlCol="0">
             <a:spAutoFit/>
           </a:bodyPr>
+          <a:lstStyle/>
           <a:p>
             <a:r>
               <a:rPr lang="en-US" sz="1600">
@@ -15713,13 +15607,6 @@
               </a:rPr>
               <a:t>ParentClass p=new ChildClass();</a:t>
             </a:r>
-            <a:endParaRPr lang="en-US" sz="1600">
-              <a:solidFill>
-                <a:schemeClr val="accent6"/>
-              </a:solidFill>
-              <a:latin typeface="firacode" charset="0"/>
-              <a:cs typeface="firacode" charset="0"/>
-            </a:endParaRPr>
           </a:p>
         </p:txBody>
       </p:sp>
@@ -15728,13 +15615,18 @@
   <p:clrMapOvr>
     <a:masterClrMapping/>
   </p:clrMapOvr>
-  <p:timing>
-    <p:tnLst>
-      <p:par>
-        <p:cTn id="1" dur="indefinite" restart="never" nodeType="tmRoot"/>
-      </p:par>
-    </p:tnLst>
-  </p:timing>
+  <mc:AlternateContent xmlns:mc="http://schemas.openxmlformats.org/markup-compatibility/2006">
+    <mc:Choice xmlns:p14="http://schemas.microsoft.com/office/powerpoint/2010/main" Requires="p14">
+      <p:transition spd="med" p14:dur="700">
+        <p:fade/>
+      </p:transition>
+    </mc:Choice>
+    <mc:Fallback>
+      <p:transition spd="med">
+        <p:fade/>
+      </p:transition>
+    </mc:Fallback>
+  </mc:AlternateContent>
 </p:sld>
 </file>
 
@@ -15883,6 +15775,7 @@
           <a:bodyPr wrap="square" rtlCol="0">
             <a:spAutoFit/>
           </a:bodyPr>
+          <a:lstStyle/>
           <a:p>
             <a:endParaRPr lang="en-US" sz="2000">
               <a:solidFill>
@@ -15914,6 +15807,7 @@
           <a:bodyPr wrap="square" rtlCol="0">
             <a:spAutoFit/>
           </a:bodyPr>
+          <a:lstStyle/>
           <a:p>
             <a:pPr marL="285750" indent="-285750">
               <a:buClr>
@@ -15941,7 +15835,7 @@
           <p:nvPr/>
         </p:nvPicPr>
         <p:blipFill>
-          <a:blip r:embed="rId1"/>
+          <a:blip r:embed="rId3"/>
           <a:srcRect l="5292" t="9366" r="5236" b="9223"/>
           <a:stretch>
             <a:fillRect/>
@@ -15966,7 +15860,7 @@
           <p:nvPr/>
         </p:nvPicPr>
         <p:blipFill>
-          <a:blip r:embed="rId2"/>
+          <a:blip r:embed="rId4"/>
           <a:srcRect l="5634" t="7642" r="5911" b="7556"/>
           <a:stretch>
             <a:fillRect/>
@@ -15987,13 +15881,18 @@
   <p:clrMapOvr>
     <a:masterClrMapping/>
   </p:clrMapOvr>
-  <p:timing>
-    <p:tnLst>
-      <p:par>
-        <p:cTn id="1" dur="indefinite" restart="never" nodeType="tmRoot"/>
-      </p:par>
-    </p:tnLst>
-  </p:timing>
+  <mc:AlternateContent xmlns:mc="http://schemas.openxmlformats.org/markup-compatibility/2006">
+    <mc:Choice xmlns:p14="http://schemas.microsoft.com/office/powerpoint/2010/main" Requires="p14">
+      <p:transition spd="med" p14:dur="700">
+        <p:fade/>
+      </p:transition>
+    </mc:Choice>
+    <mc:Fallback>
+      <p:transition spd="med">
+        <p:fade/>
+      </p:transition>
+    </mc:Fallback>
+  </mc:AlternateContent>
 </p:sld>
 </file>
 
@@ -16142,6 +16041,7 @@
           <a:bodyPr wrap="square" rtlCol="0">
             <a:spAutoFit/>
           </a:bodyPr>
+          <a:lstStyle/>
           <a:p>
             <a:endParaRPr lang="en-US" sz="2000">
               <a:solidFill>
@@ -16173,6 +16073,7 @@
           <a:bodyPr wrap="square" rtlCol="0">
             <a:spAutoFit/>
           </a:bodyPr>
+          <a:lstStyle/>
           <a:p>
             <a:pPr marL="285750" indent="-285750">
               <a:buClr>
@@ -16215,6 +16116,7 @@
           <a:bodyPr wrap="square" rtlCol="0">
             <a:spAutoFit/>
           </a:bodyPr>
+          <a:lstStyle/>
           <a:p>
             <a:r>
               <a:rPr lang="en-US" sz="2000">
@@ -16226,13 +16128,6 @@
               </a:rPr>
               <a:t>OUTPUT :</a:t>
             </a:r>
-            <a:endParaRPr lang="en-US" sz="2000">
-              <a:solidFill>
-                <a:srgbClr val="FF0000"/>
-              </a:solidFill>
-              <a:latin typeface="firacode" charset="0"/>
-              <a:cs typeface="firacode" charset="0"/>
-            </a:endParaRPr>
           </a:p>
         </p:txBody>
       </p:sp>
@@ -16245,7 +16140,7 @@
           <p:nvPr/>
         </p:nvPicPr>
         <p:blipFill>
-          <a:blip r:embed="rId2"/>
+          <a:blip r:embed="rId4"/>
           <a:srcRect l="8240" t="13603" r="8663" b="13410"/>
           <a:stretch>
             <a:fillRect/>
@@ -16266,13 +16161,18 @@
   <p:clrMapOvr>
     <a:masterClrMapping/>
   </p:clrMapOvr>
-  <p:timing>
-    <p:tnLst>
-      <p:par>
-        <p:cTn id="1" dur="indefinite" restart="never" nodeType="tmRoot"/>
-      </p:par>
-    </p:tnLst>
-  </p:timing>
+  <mc:AlternateContent xmlns:mc="http://schemas.openxmlformats.org/markup-compatibility/2006">
+    <mc:Choice xmlns:p14="http://schemas.microsoft.com/office/powerpoint/2010/main" Requires="p14">
+      <p:transition spd="med" p14:dur="700">
+        <p:fade/>
+      </p:transition>
+    </mc:Choice>
+    <mc:Fallback>
+      <p:transition spd="med">
+        <p:fade/>
+      </p:transition>
+    </mc:Fallback>
+  </mc:AlternateContent>
 </p:sld>
 </file>
 
@@ -16421,6 +16321,7 @@
           <a:bodyPr wrap="square" rtlCol="0">
             <a:spAutoFit/>
           </a:bodyPr>
+          <a:lstStyle/>
           <a:p>
             <a:r>
               <a:rPr lang="en-US" sz="2000">
@@ -16432,13 +16333,6 @@
               </a:rPr>
               <a:t>Downcasting :</a:t>
             </a:r>
-            <a:endParaRPr lang="en-US" sz="2000">
-              <a:solidFill>
-                <a:srgbClr val="FF0000"/>
-              </a:solidFill>
-              <a:latin typeface="firacode" charset="0"/>
-              <a:cs typeface="firacode" charset="0"/>
-            </a:endParaRPr>
           </a:p>
         </p:txBody>
       </p:sp>
@@ -16466,6 +16360,7 @@
           <a:bodyPr wrap="square" rtlCol="0">
             <a:spAutoFit/>
           </a:bodyPr>
+          <a:lstStyle/>
           <a:p>
             <a:pPr marL="285750" indent="-285750">
               <a:buClr>
@@ -16484,6 +16379,15 @@
               </a:rPr>
               <a:t>Downcasting is the process of  storing parenttype object into the childtype reference type is known the downcasting.</a:t>
             </a:r>
+          </a:p>
+          <a:p>
+            <a:pPr marL="285750" indent="-285750">
+              <a:buClr>
+                <a:srgbClr val="FFFFFF"/>
+              </a:buClr>
+              <a:buFont typeface="Wingdings" panose="05000000000000000000" charset="0"/>
+              <a:buChar char="v"/>
+            </a:pPr>
             <a:endParaRPr lang="en-US" sz="1500">
               <a:solidFill>
                 <a:schemeClr val="accent6"/>
@@ -16500,6 +16404,27 @@
               <a:buFont typeface="Wingdings" panose="05000000000000000000" charset="0"/>
               <a:buChar char="v"/>
             </a:pPr>
+            <a:r>
+              <a:rPr lang="en-US" sz="1500">
+                <a:solidFill>
+                  <a:schemeClr val="accent6"/>
+                </a:solidFill>
+                <a:latin typeface="firacode" charset="0"/>
+                <a:cs typeface="firacode" charset="0"/>
+              </a:rPr>
+              <a:t>Downcasting done ex</a:t>
+            </a:r>
+            <a:r>
+              <a:rPr lang="en-US" sz="1500">
+                <a:solidFill>
+                  <a:schemeClr val="accent6"/>
+                </a:solidFill>
+                <a:latin typeface="firacode" charset="0"/>
+                <a:cs typeface="firacode" charset="0"/>
+                <a:sym typeface="+mn-ea"/>
+              </a:rPr>
+              <a:t>plicitly. </a:t>
+            </a:r>
             <a:endParaRPr lang="en-US" sz="1500">
               <a:solidFill>
                 <a:schemeClr val="accent6"/>
@@ -16516,27 +16441,6 @@
               <a:buFont typeface="Wingdings" panose="05000000000000000000" charset="0"/>
               <a:buChar char="v"/>
             </a:pPr>
-            <a:r>
-              <a:rPr lang="en-US" sz="1500">
-                <a:solidFill>
-                  <a:schemeClr val="accent6"/>
-                </a:solidFill>
-                <a:latin typeface="firacode" charset="0"/>
-                <a:cs typeface="firacode" charset="0"/>
-              </a:rPr>
-              <a:t>Downcasting done ex</a:t>
-            </a:r>
-            <a:r>
-              <a:rPr lang="en-US" sz="1500">
-                <a:solidFill>
-                  <a:schemeClr val="accent6"/>
-                </a:solidFill>
-                <a:latin typeface="firacode" charset="0"/>
-                <a:cs typeface="firacode" charset="0"/>
-                <a:sym typeface="+mn-ea"/>
-              </a:rPr>
-              <a:t>plicitly. </a:t>
-            </a:r>
             <a:endParaRPr lang="en-US" sz="1500">
               <a:solidFill>
                 <a:schemeClr val="accent6"/>
@@ -16545,22 +16449,6 @@
               <a:cs typeface="firacode" charset="0"/>
             </a:endParaRPr>
           </a:p>
-          <a:p>
-            <a:pPr marL="285750" indent="-285750">
-              <a:buClr>
-                <a:srgbClr val="FFFFFF"/>
-              </a:buClr>
-              <a:buFont typeface="Wingdings" panose="05000000000000000000" charset="0"/>
-              <a:buChar char="v"/>
-            </a:pPr>
-            <a:endParaRPr lang="en-US" sz="1500">
-              <a:solidFill>
-                <a:schemeClr val="accent6"/>
-              </a:solidFill>
-              <a:latin typeface="firacode" charset="0"/>
-              <a:cs typeface="firacode" charset="0"/>
-            </a:endParaRPr>
-          </a:p>
         </p:txBody>
       </p:sp>
       <p:sp>
@@ -16587,6 +16475,7 @@
           <a:bodyPr wrap="square" rtlCol="0">
             <a:spAutoFit/>
           </a:bodyPr>
+          <a:lstStyle/>
           <a:p>
             <a:r>
               <a:rPr lang="en-US" sz="2000">
@@ -16598,13 +16487,6 @@
               </a:rPr>
               <a:t>Syntax :</a:t>
             </a:r>
-            <a:endParaRPr lang="en-US" sz="2000">
-              <a:solidFill>
-                <a:srgbClr val="FF0000"/>
-              </a:solidFill>
-              <a:latin typeface="firacode" charset="0"/>
-              <a:cs typeface="firacode" charset="0"/>
-            </a:endParaRPr>
           </a:p>
         </p:txBody>
       </p:sp>
@@ -16632,6 +16514,7 @@
           <a:bodyPr wrap="square" rtlCol="0">
             <a:spAutoFit/>
           </a:bodyPr>
+          <a:lstStyle/>
           <a:p>
             <a:r>
               <a:rPr lang="en-US" sz="1600">
@@ -16643,13 +16526,6 @@
               </a:rPr>
               <a:t>ChildClass c=new ParentClass();</a:t>
             </a:r>
-            <a:endParaRPr lang="en-US" sz="1600">
-              <a:solidFill>
-                <a:schemeClr val="accent6"/>
-              </a:solidFill>
-              <a:latin typeface="firacode" charset="0"/>
-              <a:cs typeface="firacode" charset="0"/>
-            </a:endParaRPr>
           </a:p>
         </p:txBody>
       </p:sp>
@@ -16737,6 +16613,7 @@
           <a:bodyPr wrap="square" rtlCol="0">
             <a:spAutoFit/>
           </a:bodyPr>
+          <a:lstStyle/>
           <a:p>
             <a:r>
               <a:rPr lang="en-US" sz="1600">
@@ -16748,13 +16625,6 @@
               </a:rPr>
               <a:t>ClassCastException error</a:t>
             </a:r>
-            <a:endParaRPr lang="en-US" sz="1600">
-              <a:solidFill>
-                <a:schemeClr val="accent6"/>
-              </a:solidFill>
-              <a:latin typeface="firacode" charset="0"/>
-              <a:cs typeface="firacode" charset="0"/>
-            </a:endParaRPr>
           </a:p>
         </p:txBody>
       </p:sp>
@@ -16763,13 +16633,18 @@
   <p:clrMapOvr>
     <a:masterClrMapping/>
   </p:clrMapOvr>
-  <p:timing>
-    <p:tnLst>
-      <p:par>
-        <p:cTn id="1" dur="indefinite" restart="never" nodeType="tmRoot"/>
-      </p:par>
-    </p:tnLst>
-  </p:timing>
+  <mc:AlternateContent xmlns:mc="http://schemas.openxmlformats.org/markup-compatibility/2006">
+    <mc:Choice xmlns:p14="http://schemas.microsoft.com/office/powerpoint/2010/main" Requires="p14">
+      <p:transition spd="med" p14:dur="700">
+        <p:fade/>
+      </p:transition>
+    </mc:Choice>
+    <mc:Fallback>
+      <p:transition spd="med">
+        <p:fade/>
+      </p:transition>
+    </mc:Fallback>
+  </mc:AlternateContent>
 </p:sld>
 </file>
 
@@ -16918,6 +16793,7 @@
           <a:bodyPr wrap="square" rtlCol="0">
             <a:spAutoFit/>
           </a:bodyPr>
+          <a:lstStyle/>
           <a:p>
             <a:r>
               <a:rPr lang="en-US" sz="2000">
@@ -16929,13 +16805,6 @@
               </a:rPr>
               <a:t>ClassCastException :</a:t>
             </a:r>
-            <a:endParaRPr lang="en-US" sz="2000">
-              <a:solidFill>
-                <a:srgbClr val="FF0000"/>
-              </a:solidFill>
-              <a:latin typeface="firacode" charset="0"/>
-              <a:cs typeface="firacode" charset="0"/>
-            </a:endParaRPr>
           </a:p>
         </p:txBody>
       </p:sp>
@@ -16959,6 +16828,7 @@
           <a:bodyPr wrap="square" rtlCol="0">
             <a:spAutoFit/>
           </a:bodyPr>
+          <a:lstStyle/>
           <a:p>
             <a:pPr marL="285750" indent="-285750">
               <a:buClr>
@@ -16977,13 +16847,6 @@
               </a:rPr>
               <a:t>ClassCastException is the complie time error inordert to avoid this programmer must to do typecasting it.</a:t>
             </a:r>
-            <a:endParaRPr lang="en-US">
-              <a:solidFill>
-                <a:schemeClr val="accent6"/>
-              </a:solidFill>
-              <a:latin typeface="firacode" charset="0"/>
-              <a:cs typeface="firacode" charset="0"/>
-            </a:endParaRPr>
           </a:p>
         </p:txBody>
       </p:sp>
@@ -17007,6 +16870,7 @@
           <a:bodyPr wrap="square" rtlCol="0">
             <a:spAutoFit/>
           </a:bodyPr>
+          <a:lstStyle/>
           <a:p>
             <a:r>
               <a:rPr lang="en-US" sz="2000">
@@ -17018,13 +16882,6 @@
               </a:rPr>
               <a:t>Syntax :</a:t>
             </a:r>
-            <a:endParaRPr lang="en-US" sz="2000">
-              <a:solidFill>
-                <a:srgbClr val="FF0000"/>
-              </a:solidFill>
-              <a:latin typeface="firacode" charset="0"/>
-              <a:cs typeface="firacode" charset="0"/>
-            </a:endParaRPr>
           </a:p>
         </p:txBody>
       </p:sp>
@@ -17048,6 +16905,7 @@
           <a:bodyPr wrap="square" rtlCol="0">
             <a:spAutoFit/>
           </a:bodyPr>
+          <a:lstStyle/>
           <a:p>
             <a:pPr marL="0" indent="0">
               <a:buClr>
@@ -17065,6 +16923,14 @@
               </a:rPr>
               <a:t>		Child c=new Child();</a:t>
             </a:r>
+          </a:p>
+          <a:p>
+            <a:pPr marL="0" indent="0">
+              <a:buClr>
+                <a:srgbClr val="FFFFFF"/>
+              </a:buClr>
+              <a:buNone/>
+            </a:pPr>
             <a:endParaRPr lang="en-US" sz="1600">
               <a:solidFill>
                 <a:schemeClr val="accent6"/>
@@ -17080,21 +16946,6 @@
               </a:buClr>
               <a:buNone/>
             </a:pPr>
-            <a:endParaRPr lang="en-US" sz="1600">
-              <a:solidFill>
-                <a:schemeClr val="accent6"/>
-              </a:solidFill>
-              <a:latin typeface="firacode" charset="0"/>
-              <a:cs typeface="firacode" charset="0"/>
-            </a:endParaRPr>
-          </a:p>
-          <a:p>
-            <a:pPr marL="0" indent="0">
-              <a:buClr>
-                <a:srgbClr val="FFFFFF"/>
-              </a:buClr>
-              <a:buNone/>
-            </a:pPr>
             <a:r>
               <a:rPr lang="en-US" sz="1600">
                 <a:solidFill>
@@ -17105,13 +16956,6 @@
               </a:rPr>
               <a:t>		Parent p=(Parent)c;</a:t>
             </a:r>
-            <a:endParaRPr lang="en-US" sz="1600">
-              <a:solidFill>
-                <a:schemeClr val="accent6"/>
-              </a:solidFill>
-              <a:latin typeface="firacode" charset="0"/>
-              <a:cs typeface="firacode" charset="0"/>
-            </a:endParaRPr>
           </a:p>
         </p:txBody>
       </p:sp>
@@ -17120,13 +16964,18 @@
   <p:clrMapOvr>
     <a:masterClrMapping/>
   </p:clrMapOvr>
-  <p:timing>
-    <p:tnLst>
-      <p:par>
-        <p:cTn id="1" dur="indefinite" restart="never" nodeType="tmRoot"/>
-      </p:par>
-    </p:tnLst>
-  </p:timing>
+  <mc:AlternateContent xmlns:mc="http://schemas.openxmlformats.org/markup-compatibility/2006">
+    <mc:Choice xmlns:p14="http://schemas.microsoft.com/office/powerpoint/2010/main" Requires="p14">
+      <p:transition spd="med" p14:dur="700">
+        <p:fade/>
+      </p:transition>
+    </mc:Choice>
+    <mc:Fallback>
+      <p:transition spd="med">
+        <p:fade/>
+      </p:transition>
+    </mc:Fallback>
+  </mc:AlternateContent>
 </p:sld>
 </file>
 
@@ -17275,6 +17124,7 @@
           <a:bodyPr wrap="square" rtlCol="0">
             <a:spAutoFit/>
           </a:bodyPr>
+          <a:lstStyle/>
           <a:p>
             <a:endParaRPr lang="en-US" sz="2000">
               <a:solidFill>
@@ -17306,6 +17156,7 @@
           <a:bodyPr wrap="square" rtlCol="0">
             <a:spAutoFit/>
           </a:bodyPr>
+          <a:lstStyle/>
           <a:p>
             <a:pPr marL="285750" indent="-285750">
               <a:buClr>
@@ -17333,7 +17184,7 @@
           <p:nvPr/>
         </p:nvPicPr>
         <p:blipFill>
-          <a:blip r:embed="rId1"/>
+          <a:blip r:embed="rId3"/>
           <a:srcRect l="5292" t="9366" r="5236" b="9223"/>
           <a:stretch>
             <a:fillRect/>
@@ -17358,7 +17209,7 @@
           <p:nvPr/>
         </p:nvPicPr>
         <p:blipFill>
-          <a:blip r:embed="rId2"/>
+          <a:blip r:embed="rId4"/>
           <a:srcRect l="6312" t="6914" r="5853" b="6667"/>
           <a:stretch>
             <a:fillRect/>
@@ -17379,186 +17230,191 @@
   <p:clrMapOvr>
     <a:masterClrMapping/>
   </p:clrMapOvr>
-  <p:timing>
-    <p:tnLst>
-      <p:par>
-        <p:cTn id="1" dur="indefinite" restart="never" nodeType="tmRoot"/>
-      </p:par>
-    </p:tnLst>
-  </p:timing>
+  <mc:AlternateContent xmlns:mc="http://schemas.openxmlformats.org/markup-compatibility/2006">
+    <mc:Choice xmlns:p14="http://schemas.microsoft.com/office/powerpoint/2010/main" Requires="p14">
+      <p:transition spd="med" p14:dur="700">
+        <p:fade/>
+      </p:transition>
+    </mc:Choice>
+    <mc:Fallback>
+      <p:transition spd="med">
+        <p:fade/>
+      </p:transition>
+    </mc:Fallback>
+  </mc:AlternateContent>
 </p:sld>
 </file>
 
 <file path=ppt/tags/tag1.xml><?xml version="1.0" encoding="utf-8"?>
-<p:tagLst xmlns:p="http://schemas.openxmlformats.org/presentationml/2006/main">
+<p:tagLst xmlns:a="http://schemas.openxmlformats.org/drawingml/2006/main" xmlns:r="http://schemas.openxmlformats.org/officeDocument/2006/relationships" xmlns:p="http://schemas.openxmlformats.org/presentationml/2006/main">
   <p:tag name="KSO_WM_BEAUTIFY_FLAG" val=""/>
 </p:tagLst>
 </file>
 
 <file path=ppt/tags/tag10.xml><?xml version="1.0" encoding="utf-8"?>
-<p:tagLst xmlns:p="http://schemas.openxmlformats.org/presentationml/2006/main">
+<p:tagLst xmlns:a="http://schemas.openxmlformats.org/drawingml/2006/main" xmlns:r="http://schemas.openxmlformats.org/officeDocument/2006/relationships" xmlns:p="http://schemas.openxmlformats.org/presentationml/2006/main">
   <p:tag name="KSO_WM_BEAUTIFY_FLAG" val=""/>
 </p:tagLst>
 </file>
 
 <file path=ppt/tags/tag11.xml><?xml version="1.0" encoding="utf-8"?>
-<p:tagLst xmlns:p="http://schemas.openxmlformats.org/presentationml/2006/main">
+<p:tagLst xmlns:a="http://schemas.openxmlformats.org/drawingml/2006/main" xmlns:r="http://schemas.openxmlformats.org/officeDocument/2006/relationships" xmlns:p="http://schemas.openxmlformats.org/presentationml/2006/main">
   <p:tag name="KSO_WM_BEAUTIFY_FLAG" val=""/>
 </p:tagLst>
 </file>
 
 <file path=ppt/tags/tag12.xml><?xml version="1.0" encoding="utf-8"?>
-<p:tagLst xmlns:p="http://schemas.openxmlformats.org/presentationml/2006/main">
+<p:tagLst xmlns:a="http://schemas.openxmlformats.org/drawingml/2006/main" xmlns:r="http://schemas.openxmlformats.org/officeDocument/2006/relationships" xmlns:p="http://schemas.openxmlformats.org/presentationml/2006/main">
   <p:tag name="KSO_WM_BEAUTIFY_FLAG" val=""/>
 </p:tagLst>
 </file>
 
 <file path=ppt/tags/tag13.xml><?xml version="1.0" encoding="utf-8"?>
-<p:tagLst xmlns:p="http://schemas.openxmlformats.org/presentationml/2006/main">
+<p:tagLst xmlns:a="http://schemas.openxmlformats.org/drawingml/2006/main" xmlns:r="http://schemas.openxmlformats.org/officeDocument/2006/relationships" xmlns:p="http://schemas.openxmlformats.org/presentationml/2006/main">
   <p:tag name="KSO_WM_BEAUTIFY_FLAG" val=""/>
 </p:tagLst>
 </file>
 
 <file path=ppt/tags/tag14.xml><?xml version="1.0" encoding="utf-8"?>
-<p:tagLst xmlns:p="http://schemas.openxmlformats.org/presentationml/2006/main">
+<p:tagLst xmlns:a="http://schemas.openxmlformats.org/drawingml/2006/main" xmlns:r="http://schemas.openxmlformats.org/officeDocument/2006/relationships" xmlns:p="http://schemas.openxmlformats.org/presentationml/2006/main">
   <p:tag name="KSO_WM_BEAUTIFY_FLAG" val=""/>
 </p:tagLst>
 </file>
 
 <file path=ppt/tags/tag15.xml><?xml version="1.0" encoding="utf-8"?>
-<p:tagLst xmlns:p="http://schemas.openxmlformats.org/presentationml/2006/main">
+<p:tagLst xmlns:a="http://schemas.openxmlformats.org/drawingml/2006/main" xmlns:r="http://schemas.openxmlformats.org/officeDocument/2006/relationships" xmlns:p="http://schemas.openxmlformats.org/presentationml/2006/main">
   <p:tag name="KSO_WM_BEAUTIFY_FLAG" val=""/>
 </p:tagLst>
 </file>
 
 <file path=ppt/tags/tag16.xml><?xml version="1.0" encoding="utf-8"?>
-<p:tagLst xmlns:p="http://schemas.openxmlformats.org/presentationml/2006/main">
+<p:tagLst xmlns:a="http://schemas.openxmlformats.org/drawingml/2006/main" xmlns:r="http://schemas.openxmlformats.org/officeDocument/2006/relationships" xmlns:p="http://schemas.openxmlformats.org/presentationml/2006/main">
   <p:tag name="KSO_WM_BEAUTIFY_FLAG" val=""/>
 </p:tagLst>
 </file>
 
 <file path=ppt/tags/tag17.xml><?xml version="1.0" encoding="utf-8"?>
-<p:tagLst xmlns:p="http://schemas.openxmlformats.org/presentationml/2006/main">
+<p:tagLst xmlns:a="http://schemas.openxmlformats.org/drawingml/2006/main" xmlns:r="http://schemas.openxmlformats.org/officeDocument/2006/relationships" xmlns:p="http://schemas.openxmlformats.org/presentationml/2006/main">
   <p:tag name="KSO_WM_BEAUTIFY_FLAG" val=""/>
 </p:tagLst>
 </file>
 
 <file path=ppt/tags/tag18.xml><?xml version="1.0" encoding="utf-8"?>
-<p:tagLst xmlns:p="http://schemas.openxmlformats.org/presentationml/2006/main">
+<p:tagLst xmlns:a="http://schemas.openxmlformats.org/drawingml/2006/main" xmlns:r="http://schemas.openxmlformats.org/officeDocument/2006/relationships" xmlns:p="http://schemas.openxmlformats.org/presentationml/2006/main">
   <p:tag name="KSO_WM_BEAUTIFY_FLAG" val=""/>
 </p:tagLst>
 </file>
 
 <file path=ppt/tags/tag19.xml><?xml version="1.0" encoding="utf-8"?>
-<p:tagLst xmlns:p="http://schemas.openxmlformats.org/presentationml/2006/main">
+<p:tagLst xmlns:a="http://schemas.openxmlformats.org/drawingml/2006/main" xmlns:r="http://schemas.openxmlformats.org/officeDocument/2006/relationships" xmlns:p="http://schemas.openxmlformats.org/presentationml/2006/main">
   <p:tag name="KSO_WM_BEAUTIFY_FLAG" val=""/>
 </p:tagLst>
 </file>
 
 <file path=ppt/tags/tag2.xml><?xml version="1.0" encoding="utf-8"?>
-<p:tagLst xmlns:p="http://schemas.openxmlformats.org/presentationml/2006/main">
+<p:tagLst xmlns:a="http://schemas.openxmlformats.org/drawingml/2006/main" xmlns:r="http://schemas.openxmlformats.org/officeDocument/2006/relationships" xmlns:p="http://schemas.openxmlformats.org/presentationml/2006/main">
   <p:tag name="KSO_WM_BEAUTIFY_FLAG" val=""/>
 </p:tagLst>
 </file>
 
 <file path=ppt/tags/tag20.xml><?xml version="1.0" encoding="utf-8"?>
-<p:tagLst xmlns:p="http://schemas.openxmlformats.org/presentationml/2006/main">
+<p:tagLst xmlns:a="http://schemas.openxmlformats.org/drawingml/2006/main" xmlns:r="http://schemas.openxmlformats.org/officeDocument/2006/relationships" xmlns:p="http://schemas.openxmlformats.org/presentationml/2006/main">
   <p:tag name="KSO_WM_BEAUTIFY_FLAG" val=""/>
 </p:tagLst>
 </file>
 
 <file path=ppt/tags/tag21.xml><?xml version="1.0" encoding="utf-8"?>
-<p:tagLst xmlns:p="http://schemas.openxmlformats.org/presentationml/2006/main">
+<p:tagLst xmlns:a="http://schemas.openxmlformats.org/drawingml/2006/main" xmlns:r="http://schemas.openxmlformats.org/officeDocument/2006/relationships" xmlns:p="http://schemas.openxmlformats.org/presentationml/2006/main">
   <p:tag name="KSO_WM_BEAUTIFY_FLAG" val=""/>
 </p:tagLst>
 </file>
 
 <file path=ppt/tags/tag22.xml><?xml version="1.0" encoding="utf-8"?>
-<p:tagLst xmlns:p="http://schemas.openxmlformats.org/presentationml/2006/main">
+<p:tagLst xmlns:a="http://schemas.openxmlformats.org/drawingml/2006/main" xmlns:r="http://schemas.openxmlformats.org/officeDocument/2006/relationships" xmlns:p="http://schemas.openxmlformats.org/presentationml/2006/main">
   <p:tag name="KSO_WM_BEAUTIFY_FLAG" val=""/>
 </p:tagLst>
 </file>
 
 <file path=ppt/tags/tag23.xml><?xml version="1.0" encoding="utf-8"?>
-<p:tagLst xmlns:p="http://schemas.openxmlformats.org/presentationml/2006/main">
+<p:tagLst xmlns:a="http://schemas.openxmlformats.org/drawingml/2006/main" xmlns:r="http://schemas.openxmlformats.org/officeDocument/2006/relationships" xmlns:p="http://schemas.openxmlformats.org/presentationml/2006/main">
   <p:tag name="KSO_WM_BEAUTIFY_FLAG" val=""/>
 </p:tagLst>
 </file>
 
 <file path=ppt/tags/tag24.xml><?xml version="1.0" encoding="utf-8"?>
-<p:tagLst xmlns:p="http://schemas.openxmlformats.org/presentationml/2006/main">
+<p:tagLst xmlns:a="http://schemas.openxmlformats.org/drawingml/2006/main" xmlns:r="http://schemas.openxmlformats.org/officeDocument/2006/relationships" xmlns:p="http://schemas.openxmlformats.org/presentationml/2006/main">
   <p:tag name="KSO_WM_BEAUTIFY_FLAG" val=""/>
 </p:tagLst>
 </file>
 
 <file path=ppt/tags/tag25.xml><?xml version="1.0" encoding="utf-8"?>
-<p:tagLst xmlns:p="http://schemas.openxmlformats.org/presentationml/2006/main">
+<p:tagLst xmlns:a="http://schemas.openxmlformats.org/drawingml/2006/main" xmlns:r="http://schemas.openxmlformats.org/officeDocument/2006/relationships" xmlns:p="http://schemas.openxmlformats.org/presentationml/2006/main">
   <p:tag name="KSO_WM_BEAUTIFY_FLAG" val=""/>
 </p:tagLst>
 </file>
 
 <file path=ppt/tags/tag26.xml><?xml version="1.0" encoding="utf-8"?>
-<p:tagLst xmlns:p="http://schemas.openxmlformats.org/presentationml/2006/main">
+<p:tagLst xmlns:a="http://schemas.openxmlformats.org/drawingml/2006/main" xmlns:r="http://schemas.openxmlformats.org/officeDocument/2006/relationships" xmlns:p="http://schemas.openxmlformats.org/presentationml/2006/main">
   <p:tag name="KSO_WM_BEAUTIFY_FLAG" val=""/>
 </p:tagLst>
 </file>
 
 <file path=ppt/tags/tag27.xml><?xml version="1.0" encoding="utf-8"?>
-<p:tagLst xmlns:p="http://schemas.openxmlformats.org/presentationml/2006/main">
+<p:tagLst xmlns:a="http://schemas.openxmlformats.org/drawingml/2006/main" xmlns:r="http://schemas.openxmlformats.org/officeDocument/2006/relationships" xmlns:p="http://schemas.openxmlformats.org/presentationml/2006/main">
   <p:tag name="KSO_WM_BEAUTIFY_FLAG" val=""/>
 </p:tagLst>
 </file>
 
 <file path=ppt/tags/tag28.xml><?xml version="1.0" encoding="utf-8"?>
-<p:tagLst xmlns:p="http://schemas.openxmlformats.org/presentationml/2006/main">
+<p:tagLst xmlns:a="http://schemas.openxmlformats.org/drawingml/2006/main" xmlns:r="http://schemas.openxmlformats.org/officeDocument/2006/relationships" xmlns:p="http://schemas.openxmlformats.org/presentationml/2006/main">
   <p:tag name="KSO_WM_BEAUTIFY_FLAG" val=""/>
 </p:tagLst>
 </file>
 
 <file path=ppt/tags/tag29.xml><?xml version="1.0" encoding="utf-8"?>
-<p:tagLst xmlns:p="http://schemas.openxmlformats.org/presentationml/2006/main">
+<p:tagLst xmlns:a="http://schemas.openxmlformats.org/drawingml/2006/main" xmlns:r="http://schemas.openxmlformats.org/officeDocument/2006/relationships" xmlns:p="http://schemas.openxmlformats.org/presentationml/2006/main">
   <p:tag name="KSO_WM_BEAUTIFY_FLAG" val=""/>
 </p:tagLst>
 </file>
 
 <file path=ppt/tags/tag3.xml><?xml version="1.0" encoding="utf-8"?>
-<p:tagLst xmlns:p="http://schemas.openxmlformats.org/presentationml/2006/main">
+<p:tagLst xmlns:a="http://schemas.openxmlformats.org/drawingml/2006/main" xmlns:r="http://schemas.openxmlformats.org/officeDocument/2006/relationships" xmlns:p="http://schemas.openxmlformats.org/presentationml/2006/main">
   <p:tag name="KSO_WM_BEAUTIFY_FLAG" val=""/>
 </p:tagLst>
 </file>
 
 <file path=ppt/tags/tag4.xml><?xml version="1.0" encoding="utf-8"?>
-<p:tagLst xmlns:p="http://schemas.openxmlformats.org/presentationml/2006/main">
+<p:tagLst xmlns:a="http://schemas.openxmlformats.org/drawingml/2006/main" xmlns:r="http://schemas.openxmlformats.org/officeDocument/2006/relationships" xmlns:p="http://schemas.openxmlformats.org/presentationml/2006/main">
   <p:tag name="KSO_WM_BEAUTIFY_FLAG" val=""/>
 </p:tagLst>
 </file>
 
 <file path=ppt/tags/tag5.xml><?xml version="1.0" encoding="utf-8"?>
-<p:tagLst xmlns:p="http://schemas.openxmlformats.org/presentationml/2006/main">
+<p:tagLst xmlns:a="http://schemas.openxmlformats.org/drawingml/2006/main" xmlns:r="http://schemas.openxmlformats.org/officeDocument/2006/relationships" xmlns:p="http://schemas.openxmlformats.org/presentationml/2006/main">
   <p:tag name="KSO_WM_BEAUTIFY_FLAG" val=""/>
 </p:tagLst>
 </file>
 
 <file path=ppt/tags/tag6.xml><?xml version="1.0" encoding="utf-8"?>
-<p:tagLst xmlns:p="http://schemas.openxmlformats.org/presentationml/2006/main">
+<p:tagLst xmlns:a="http://schemas.openxmlformats.org/drawingml/2006/main" xmlns:r="http://schemas.openxmlformats.org/officeDocument/2006/relationships" xmlns:p="http://schemas.openxmlformats.org/presentationml/2006/main">
   <p:tag name="KSO_WM_BEAUTIFY_FLAG" val=""/>
 </p:tagLst>
 </file>
 
 <file path=ppt/tags/tag7.xml><?xml version="1.0" encoding="utf-8"?>
-<p:tagLst xmlns:p="http://schemas.openxmlformats.org/presentationml/2006/main">
+<p:tagLst xmlns:a="http://schemas.openxmlformats.org/drawingml/2006/main" xmlns:r="http://schemas.openxmlformats.org/officeDocument/2006/relationships" xmlns:p="http://schemas.openxmlformats.org/presentationml/2006/main">
   <p:tag name="KSO_WM_BEAUTIFY_FLAG" val=""/>
 </p:tagLst>
 </file>
 
 <file path=ppt/tags/tag8.xml><?xml version="1.0" encoding="utf-8"?>
-<p:tagLst xmlns:p="http://schemas.openxmlformats.org/presentationml/2006/main">
+<p:tagLst xmlns:a="http://schemas.openxmlformats.org/drawingml/2006/main" xmlns:r="http://schemas.openxmlformats.org/officeDocument/2006/relationships" xmlns:p="http://schemas.openxmlformats.org/presentationml/2006/main">
   <p:tag name="KSO_WM_BEAUTIFY_FLAG" val=""/>
 </p:tagLst>
 </file>
 
 <file path=ppt/tags/tag9.xml><?xml version="1.0" encoding="utf-8"?>
-<p:tagLst xmlns:p="http://schemas.openxmlformats.org/presentationml/2006/main">
+<p:tagLst xmlns:a="http://schemas.openxmlformats.org/drawingml/2006/main" xmlns:r="http://schemas.openxmlformats.org/officeDocument/2006/relationships" xmlns:p="http://schemas.openxmlformats.org/presentationml/2006/main">
   <p:tag name="KSO_WM_BEAUTIFY_FLAG" val=""/>
 </p:tagLst>
 </file>
@@ -17839,6 +17695,8 @@
       </a:bgFillStyleLst>
     </a:fmtScheme>
   </a:themeElements>
+  <a:objectDefaults/>
+  <a:extraClrSchemeLst/>
   <a:extLst>
     <a:ext uri="{05A4C25C-085E-4340-85A3-A5531E510DB2}">
       <thm15:themeFamily xmlns:thm15="http://schemas.microsoft.com/office/thememl/2012/main" name="Office Theme" id="{62F939B6-93AF-4DB8-9C6B-D6C7DFDC589F}" vid="{4A3C46E8-61CC-4603-A589-7422A47A8E4A}"/>
@@ -18123,6 +17981,8 @@
       </a:bgFillStyleLst>
     </a:fmtScheme>
   </a:themeElements>
+  <a:objectDefaults/>
+  <a:extraClrSchemeLst/>
   <a:extLst>
     <a:ext uri="{05A4C25C-085E-4340-85A3-A5531E510DB2}">
       <thm15:themeFamily xmlns:thm15="http://schemas.microsoft.com/office/thememl/2012/main" name="Office Theme" id="{62F939B6-93AF-4DB8-9C6B-D6C7DFDC589F}" vid="{4A3C46E8-61CC-4603-A589-7422A47A8E4A}"/>
